--- a/Network.pptx
+++ b/Network.pptx
@@ -244,7 +244,7 @@
               <a:pPr lvl="0">
                 <a:defRPr/>
               </a:pPr>
-              <a:t>2025-06-18</a:t>
+              <a:t>2025-06-19</a:t>
             </a:fld>
             <a:endParaRPr lang="ko-KR" altLang="en-US"/>
           </a:p>
@@ -1147,7 +1147,7 @@
           <a:p>
             <a:fld id="{C6FE7586-B294-4B45-A86F-C52F1CE723D6}" type="datetimeFigureOut">
               <a:rPr lang="ko-KR" altLang="en-US" smtClean="0"/>
-              <a:t>2025-06-18</a:t>
+              <a:t>2025-06-19</a:t>
             </a:fld>
             <a:endParaRPr lang="ko-KR" altLang="en-US"/>
           </a:p>
@@ -1315,7 +1315,7 @@
           <a:p>
             <a:fld id="{C6FE7586-B294-4B45-A86F-C52F1CE723D6}" type="datetimeFigureOut">
               <a:rPr lang="ko-KR" altLang="en-US" smtClean="0"/>
-              <a:t>2025-06-18</a:t>
+              <a:t>2025-06-19</a:t>
             </a:fld>
             <a:endParaRPr lang="ko-KR" altLang="en-US"/>
           </a:p>
@@ -1493,7 +1493,7 @@
           <a:p>
             <a:fld id="{C6FE7586-B294-4B45-A86F-C52F1CE723D6}" type="datetimeFigureOut">
               <a:rPr lang="ko-KR" altLang="en-US" smtClean="0"/>
-              <a:t>2025-06-18</a:t>
+              <a:t>2025-06-19</a:t>
             </a:fld>
             <a:endParaRPr lang="ko-KR" altLang="en-US"/>
           </a:p>
@@ -1661,7 +1661,7 @@
           <a:p>
             <a:fld id="{C6FE7586-B294-4B45-A86F-C52F1CE723D6}" type="datetimeFigureOut">
               <a:rPr lang="ko-KR" altLang="en-US" smtClean="0"/>
-              <a:t>2025-06-18</a:t>
+              <a:t>2025-06-19</a:t>
             </a:fld>
             <a:endParaRPr lang="ko-KR" altLang="en-US"/>
           </a:p>
@@ -1906,7 +1906,7 @@
           <a:p>
             <a:fld id="{C6FE7586-B294-4B45-A86F-C52F1CE723D6}" type="datetimeFigureOut">
               <a:rPr lang="ko-KR" altLang="en-US" smtClean="0"/>
-              <a:t>2025-06-18</a:t>
+              <a:t>2025-06-19</a:t>
             </a:fld>
             <a:endParaRPr lang="ko-KR" altLang="en-US"/>
           </a:p>
@@ -2135,7 +2135,7 @@
           <a:p>
             <a:fld id="{C6FE7586-B294-4B45-A86F-C52F1CE723D6}" type="datetimeFigureOut">
               <a:rPr lang="ko-KR" altLang="en-US" smtClean="0"/>
-              <a:t>2025-06-18</a:t>
+              <a:t>2025-06-19</a:t>
             </a:fld>
             <a:endParaRPr lang="ko-KR" altLang="en-US"/>
           </a:p>
@@ -2499,7 +2499,7 @@
           <a:p>
             <a:fld id="{C6FE7586-B294-4B45-A86F-C52F1CE723D6}" type="datetimeFigureOut">
               <a:rPr lang="ko-KR" altLang="en-US" smtClean="0"/>
-              <a:t>2025-06-18</a:t>
+              <a:t>2025-06-19</a:t>
             </a:fld>
             <a:endParaRPr lang="ko-KR" altLang="en-US"/>
           </a:p>
@@ -2616,7 +2616,7 @@
           <a:p>
             <a:fld id="{C6FE7586-B294-4B45-A86F-C52F1CE723D6}" type="datetimeFigureOut">
               <a:rPr lang="ko-KR" altLang="en-US" smtClean="0"/>
-              <a:t>2025-06-18</a:t>
+              <a:t>2025-06-19</a:t>
             </a:fld>
             <a:endParaRPr lang="ko-KR" altLang="en-US"/>
           </a:p>
@@ -2711,7 +2711,7 @@
           <a:p>
             <a:fld id="{C6FE7586-B294-4B45-A86F-C52F1CE723D6}" type="datetimeFigureOut">
               <a:rPr lang="ko-KR" altLang="en-US" smtClean="0"/>
-              <a:t>2025-06-18</a:t>
+              <a:t>2025-06-19</a:t>
             </a:fld>
             <a:endParaRPr lang="ko-KR" altLang="en-US"/>
           </a:p>
@@ -2986,7 +2986,7 @@
           <a:p>
             <a:fld id="{C6FE7586-B294-4B45-A86F-C52F1CE723D6}" type="datetimeFigureOut">
               <a:rPr lang="ko-KR" altLang="en-US" smtClean="0"/>
-              <a:t>2025-06-18</a:t>
+              <a:t>2025-06-19</a:t>
             </a:fld>
             <a:endParaRPr lang="ko-KR" altLang="en-US"/>
           </a:p>
@@ -3238,7 +3238,7 @@
           <a:p>
             <a:fld id="{C6FE7586-B294-4B45-A86F-C52F1CE723D6}" type="datetimeFigureOut">
               <a:rPr lang="ko-KR" altLang="en-US" smtClean="0"/>
-              <a:t>2025-06-18</a:t>
+              <a:t>2025-06-19</a:t>
             </a:fld>
             <a:endParaRPr lang="ko-KR" altLang="en-US"/>
           </a:p>
@@ -3458,7 +3458,7 @@
           <a:p>
             <a:fld id="{C6FE7586-B294-4B45-A86F-C52F1CE723D6}" type="datetimeFigureOut">
               <a:rPr lang="ko-KR" altLang="en-US" smtClean="0"/>
-              <a:t>2025-06-18</a:t>
+              <a:t>2025-06-19</a:t>
             </a:fld>
             <a:endParaRPr lang="ko-KR" altLang="en-US"/>
           </a:p>
@@ -25507,9 +25507,9 @@
         <p:grpSpPr>
           <a:xfrm>
             <a:off x="687265" y="897656"/>
-            <a:ext cx="7032083" cy="2968030"/>
+            <a:ext cx="7206447" cy="2968030"/>
             <a:chOff x="839282" y="898655"/>
-            <a:chExt cx="7032083" cy="2968030"/>
+            <a:chExt cx="7206447" cy="2968030"/>
           </a:xfrm>
         </p:grpSpPr>
         <p:pic>
@@ -25544,9 +25544,9 @@
           </p:nvGrpSpPr>
           <p:grpSpPr>
             <a:xfrm>
-              <a:off x="3716215" y="898655"/>
+              <a:off x="3890579" y="898655"/>
               <a:ext cx="4155150" cy="2968030"/>
-              <a:chOff x="5133593" y="917459"/>
+              <a:chOff x="5307957" y="917459"/>
               <a:chExt cx="4155150" cy="2968030"/>
             </a:xfrm>
           </p:grpSpPr>
@@ -25566,7 +25566,7 @@
             </p:blipFill>
             <p:spPr>
               <a:xfrm>
-                <a:off x="8350751" y="1946245"/>
+                <a:off x="8525115" y="1946245"/>
                 <a:ext cx="937992" cy="1939244"/>
               </a:xfrm>
               <a:prstGeom prst="rect">
@@ -25590,7 +25590,7 @@
             </p:blipFill>
             <p:spPr>
               <a:xfrm>
-                <a:off x="5133593" y="917459"/>
+                <a:off x="5307957" y="917459"/>
                 <a:ext cx="3221569" cy="2967363"/>
               </a:xfrm>
               <a:prstGeom prst="rect">
@@ -25614,7 +25614,7 @@
             </p:blipFill>
             <p:spPr>
               <a:xfrm>
-                <a:off x="8355162" y="926927"/>
+                <a:off x="8529526" y="926927"/>
                 <a:ext cx="933580" cy="1019317"/>
               </a:xfrm>
               <a:prstGeom prst="rect">
@@ -38318,124 +38318,6 @@
       </p:sp>
       <p:sp>
         <p:nvSpPr>
-          <p:cNvPr id="47" name="모서리가 둥근 직사각형 60"/>
-          <p:cNvSpPr/>
-          <p:nvPr/>
-        </p:nvSpPr>
-        <p:spPr>
-          <a:xfrm>
-            <a:off x="12627974" y="284062"/>
-            <a:ext cx="1636271" cy="181123"/>
-          </a:xfrm>
-          <a:prstGeom prst="roundRect">
-            <a:avLst>
-              <a:gd name="adj" fmla="val 50000"/>
-            </a:avLst>
-          </a:prstGeom>
-          <a:gradFill flip="none" rotWithShape="1">
-            <a:gsLst>
-              <a:gs pos="0">
-                <a:srgbClr val="FF0000">
-                  <a:alpha val="100000"/>
-                </a:srgbClr>
-              </a:gs>
-              <a:gs pos="100000">
-                <a:srgbClr val="EAAB90">
-                  <a:alpha val="100000"/>
-                </a:srgbClr>
-              </a:gs>
-              <a:gs pos="52000">
-                <a:srgbClr val="F62828">
-                  <a:alpha val="100000"/>
-                </a:srgbClr>
-              </a:gs>
-            </a:gsLst>
-            <a:lin ang="0" scaled="1"/>
-            <a:tileRect/>
-          </a:gradFill>
-          <a:ln w="12700" cap="flat" cmpd="sng" algn="ctr">
-            <a:noFill/>
-            <a:prstDash val="solid"/>
-            <a:miter/>
-          </a:ln>
-        </p:spPr>
-        <p:txBody>
-          <a:bodyPr anchor="ctr"/>
-          <a:lstStyle/>
-          <a:p>
-            <a:pPr marL="0" indent="0" defTabSz="914400" rtl="0" eaLnBrk="1" latinLnBrk="1" hangingPunct="1">
-              <a:lnSpc>
-                <a:spcPct val="100000"/>
-              </a:lnSpc>
-              <a:spcBef>
-                <a:spcPct val="0"/>
-              </a:spcBef>
-              <a:spcAft>
-                <a:spcPts val="0"/>
-              </a:spcAft>
-              <a:buNone/>
-              <a:defRPr/>
-            </a:pPr>
-            <a:r>
-              <a:rPr kumimoji="0" lang="ko-KR" altLang="en-US" sz="1000" b="0" i="0" u="none" strike="noStrike" kern="1200" cap="none" spc="0" normalizeH="0" baseline="0">
-                <a:solidFill>
-                  <a:srgbClr val="FFFFFF"/>
-                </a:solidFill>
-                <a:latin typeface="맑은 고딕"/>
-                <a:ea typeface="맑은 고딕"/>
-                <a:cs typeface="맑은 고딕"/>
-              </a:rPr>
-              <a:t>지사</a:t>
-            </a:r>
-            <a:r>
-              <a:rPr kumimoji="0" lang="en-US" altLang="ko-KR" sz="1000" b="0" i="0" u="none" strike="noStrike" kern="1200" cap="none" spc="0" normalizeH="0" baseline="0">
-                <a:solidFill>
-                  <a:srgbClr val="FFFFFF"/>
-                </a:solidFill>
-                <a:latin typeface="맑은 고딕"/>
-                <a:ea typeface="맑은 고딕"/>
-                <a:cs typeface="맑은 고딕"/>
-              </a:rPr>
-              <a:t> DNS &amp;</a:t>
-            </a:r>
-            <a:r>
-              <a:rPr kumimoji="0" lang="ko-KR" altLang="en-US" sz="1000" b="0" i="0" u="none" strike="noStrike" kern="1200" cap="none" spc="0" normalizeH="0" baseline="0">
-                <a:solidFill>
-                  <a:srgbClr val="FFFFFF"/>
-                </a:solidFill>
-                <a:latin typeface="맑은 고딕"/>
-                <a:ea typeface="맑은 고딕"/>
-                <a:cs typeface="맑은 고딕"/>
-              </a:rPr>
-              <a:t> </a:t>
-            </a:r>
-            <a:r>
-              <a:rPr kumimoji="0" lang="en-US" altLang="ko-KR" sz="1000" b="0" i="0" u="none" strike="noStrike" kern="1200" cap="none" spc="0" normalizeH="0" baseline="0">
-                <a:solidFill>
-                  <a:srgbClr val="FFFFFF"/>
-                </a:solidFill>
-                <a:latin typeface="맑은 고딕"/>
-                <a:ea typeface="맑은 고딕"/>
-                <a:cs typeface="맑은 고딕"/>
-              </a:rPr>
-              <a:t>DHCP</a:t>
-            </a:r>
-            <a:r>
-              <a:rPr kumimoji="0" lang="ko-KR" altLang="en-US" sz="1000" b="0" i="0" u="none" strike="noStrike" kern="1200" cap="none" spc="0" normalizeH="0" baseline="0">
-                <a:solidFill>
-                  <a:srgbClr val="FFFFFF"/>
-                </a:solidFill>
-                <a:latin typeface="맑은 고딕"/>
-                <a:ea typeface="맑은 고딕"/>
-                <a:cs typeface="맑은 고딕"/>
-              </a:rPr>
-              <a:t> 서버</a:t>
-            </a:r>
-          </a:p>
-        </p:txBody>
-      </p:sp>
-      <p:sp>
-        <p:nvSpPr>
           <p:cNvPr id="48" name="모서리가 둥근 직사각형 60"/>
           <p:cNvSpPr/>
           <p:nvPr/>
@@ -39115,27 +38997,27 @@
       </p:sp>
       <p:grpSp>
         <p:nvGrpSpPr>
-          <p:cNvPr id="82" name="그룹 81"/>
+          <p:cNvPr id="6" name="그룹 5"/>
           <p:cNvGrpSpPr/>
           <p:nvPr/>
         </p:nvGrpSpPr>
         <p:grpSpPr>
           <a:xfrm>
-            <a:off x="807934" y="1503067"/>
-            <a:ext cx="3571093" cy="4336934"/>
-            <a:chOff x="1807303" y="1463878"/>
-            <a:chExt cx="3571093" cy="4336934"/>
+            <a:off x="1419651" y="1499535"/>
+            <a:ext cx="8923489" cy="4336934"/>
+            <a:chOff x="807934" y="1503067"/>
+            <a:chExt cx="8923489" cy="4336934"/>
           </a:xfrm>
         </p:grpSpPr>
         <p:grpSp>
           <p:nvGrpSpPr>
-            <p:cNvPr id="81" name="그룹 80"/>
+            <p:cNvPr id="82" name="그룹 81"/>
             <p:cNvGrpSpPr/>
             <p:nvPr/>
           </p:nvGrpSpPr>
           <p:grpSpPr>
             <a:xfrm>
-              <a:off x="1807303" y="1463878"/>
+              <a:off x="807934" y="1503067"/>
               <a:ext cx="3571093" cy="4336934"/>
               <a:chOff x="1807303" y="1463878"/>
               <a:chExt cx="3571093" cy="4336934"/>
@@ -39143,7 +39025,7 @@
           </p:grpSpPr>
           <p:grpSp>
             <p:nvGrpSpPr>
-              <p:cNvPr id="80" name="그룹 79"/>
+              <p:cNvPr id="81" name="그룹 80"/>
               <p:cNvGrpSpPr/>
               <p:nvPr/>
             </p:nvGrpSpPr>
@@ -39151,171 +39033,252 @@
               <a:xfrm>
                 <a:off x="1807303" y="1463878"/>
                 <a:ext cx="3571093" cy="4336934"/>
-                <a:chOff x="1913983" y="1332034"/>
+                <a:chOff x="1807303" y="1463878"/>
                 <a:chExt cx="3571093" cy="4336934"/>
               </a:xfrm>
             </p:grpSpPr>
-            <p:sp>
-              <p:nvSpPr>
-                <p:cNvPr id="79" name="직사각형 78"/>
-                <p:cNvSpPr/>
-                <p:nvPr/>
-              </p:nvSpPr>
-              <p:spPr>
-                <a:xfrm>
-                  <a:off x="1913983" y="1343533"/>
-                  <a:ext cx="3568647" cy="4325435"/>
-                </a:xfrm>
-                <a:prstGeom prst="rect">
-                  <a:avLst/>
-                </a:prstGeom>
-                <a:solidFill>
-                  <a:schemeClr val="bg1"/>
-                </a:solidFill>
-                <a:ln>
-                  <a:solidFill>
-                    <a:schemeClr val="bg1"/>
-                  </a:solidFill>
-                </a:ln>
-                <a:scene3d>
-                  <a:camera prst="orthographicFront"/>
-                  <a:lightRig rig="threePt" dir="t"/>
-                </a:scene3d>
-                <a:sp3d>
-                  <a:bevelT prst="angle"/>
-                </a:sp3d>
-              </p:spPr>
-              <p:style>
-                <a:lnRef idx="2">
-                  <a:schemeClr val="accent1">
-                    <a:shade val="50000"/>
-                  </a:schemeClr>
-                </a:lnRef>
-                <a:fillRef idx="1">
-                  <a:schemeClr val="accent1"/>
-                </a:fillRef>
-                <a:effectRef idx="0">
-                  <a:schemeClr val="accent1"/>
-                </a:effectRef>
-                <a:fontRef idx="minor">
-                  <a:schemeClr val="lt1"/>
-                </a:fontRef>
-              </p:style>
-              <p:txBody>
-                <a:bodyPr rot="0" vert="horz" wrap="square" lIns="91440" tIns="45720" rIns="91440" bIns="45720" anchor="ctr" anchorCtr="0">
-                  <a:prstTxWarp prst="textNoShape">
-                    <a:avLst/>
-                  </a:prstTxWarp>
-                  <a:noAutofit/>
-                </a:bodyPr>
-                <a:lstStyle/>
-                <a:p>
-                  <a:pPr algn="ctr">
-                    <a:defRPr/>
-                  </a:pPr>
-                  <a:endParaRPr lang="ko-KR" altLang="en-US"/>
-                </a:p>
-              </p:txBody>
-            </p:sp>
             <p:grpSp>
               <p:nvGrpSpPr>
-                <p:cNvPr id="78" name="그룹 77"/>
+                <p:cNvPr id="80" name="그룹 79"/>
                 <p:cNvGrpSpPr/>
                 <p:nvPr/>
               </p:nvGrpSpPr>
               <p:grpSpPr>
                 <a:xfrm>
-                  <a:off x="1913983" y="1332034"/>
+                  <a:off x="1807303" y="1463878"/>
                   <a:ext cx="3571093" cy="4336934"/>
                   <a:chOff x="1913983" y="1332034"/>
                   <a:chExt cx="3571093" cy="4336934"/>
                 </a:xfrm>
               </p:grpSpPr>
+              <p:sp>
+                <p:nvSpPr>
+                  <p:cNvPr id="79" name="직사각형 78"/>
+                  <p:cNvSpPr/>
+                  <p:nvPr/>
+                </p:nvSpPr>
+                <p:spPr>
+                  <a:xfrm>
+                    <a:off x="1913983" y="1343533"/>
+                    <a:ext cx="3568647" cy="4325435"/>
+                  </a:xfrm>
+                  <a:prstGeom prst="rect">
+                    <a:avLst/>
+                  </a:prstGeom>
+                  <a:solidFill>
+                    <a:schemeClr val="bg1"/>
+                  </a:solidFill>
+                  <a:ln>
+                    <a:solidFill>
+                      <a:schemeClr val="bg1"/>
+                    </a:solidFill>
+                  </a:ln>
+                  <a:scene3d>
+                    <a:camera prst="orthographicFront"/>
+                    <a:lightRig rig="threePt" dir="t"/>
+                  </a:scene3d>
+                  <a:sp3d>
+                    <a:bevelT prst="angle"/>
+                  </a:sp3d>
+                </p:spPr>
+                <p:style>
+                  <a:lnRef idx="2">
+                    <a:schemeClr val="accent1">
+                      <a:shade val="50000"/>
+                    </a:schemeClr>
+                  </a:lnRef>
+                  <a:fillRef idx="1">
+                    <a:schemeClr val="accent1"/>
+                  </a:fillRef>
+                  <a:effectRef idx="0">
+                    <a:schemeClr val="accent1"/>
+                  </a:effectRef>
+                  <a:fontRef idx="minor">
+                    <a:schemeClr val="lt1"/>
+                  </a:fontRef>
+                </p:style>
+                <p:txBody>
+                  <a:bodyPr rot="0" vert="horz" wrap="square" lIns="91440" tIns="45720" rIns="91440" bIns="45720" anchor="ctr" anchorCtr="0">
+                    <a:prstTxWarp prst="textNoShape">
+                      <a:avLst/>
+                    </a:prstTxWarp>
+                    <a:noAutofit/>
+                  </a:bodyPr>
+                  <a:lstStyle/>
+                  <a:p>
+                    <a:pPr algn="ctr">
+                      <a:defRPr/>
+                    </a:pPr>
+                    <a:endParaRPr lang="ko-KR" altLang="en-US"/>
+                  </a:p>
+                </p:txBody>
+              </p:sp>
               <p:grpSp>
                 <p:nvGrpSpPr>
-                  <p:cNvPr id="76" name="그룹 75"/>
+                  <p:cNvPr id="78" name="그룹 77"/>
                   <p:cNvGrpSpPr/>
                   <p:nvPr/>
                 </p:nvGrpSpPr>
                 <p:grpSpPr>
                   <a:xfrm>
                     <a:off x="1913983" y="1332034"/>
-                    <a:ext cx="3568647" cy="1968290"/>
+                    <a:ext cx="3571093" cy="4336934"/>
                     <a:chOff x="1913983" y="1332034"/>
-                    <a:chExt cx="3568647" cy="1968290"/>
+                    <a:chExt cx="3571093" cy="4336934"/>
                   </a:xfrm>
                 </p:grpSpPr>
-                <p:pic>
-                  <p:nvPicPr>
-                    <p:cNvPr id="1050" name="Picture 26" descr="MySQL - Download"/>
-                    <p:cNvPicPr>
-                      <a:picLocks noChangeAspect="1" noChangeArrowheads="1"/>
-                    </p:cNvPicPr>
-                    <p:nvPr/>
-                  </p:nvPicPr>
-                  <p:blipFill rotWithShape="1">
-                    <a:blip r:embed="rId2"/>
-                    <a:srcRect/>
-                    <a:stretch>
-                      <a:fillRect/>
-                    </a:stretch>
-                  </p:blipFill>
-                  <p:spPr>
-                    <a:xfrm>
-                      <a:off x="3181879" y="2582797"/>
-                      <a:ext cx="401703" cy="401703"/>
-                    </a:xfrm>
-                    <a:prstGeom prst="rect">
-                      <a:avLst/>
-                    </a:prstGeom>
-                    <a:noFill/>
-                    <a:scene3d>
-                      <a:camera prst="orthographicFront"/>
-                      <a:lightRig rig="threePt" dir="t"/>
-                    </a:scene3d>
-                    <a:sp3d>
-                      <a:bevelT prst="angle"/>
-                    </a:sp3d>
-                  </p:spPr>
-                </p:pic>
                 <p:grpSp>
                   <p:nvGrpSpPr>
-                    <p:cNvPr id="75" name="그룹 74"/>
+                    <p:cNvPr id="76" name="그룹 75"/>
                     <p:cNvGrpSpPr/>
                     <p:nvPr/>
                   </p:nvGrpSpPr>
                   <p:grpSpPr>
                     <a:xfrm>
                       <a:off x="1913983" y="1332034"/>
-                      <a:ext cx="3568647" cy="1650544"/>
+                      <a:ext cx="3568647" cy="1968290"/>
                       <a:chOff x="1913983" y="1332034"/>
-                      <a:chExt cx="3568647" cy="1650544"/>
+                      <a:chExt cx="3568647" cy="1968290"/>
                     </a:xfrm>
                   </p:grpSpPr>
+                  <p:pic>
+                    <p:nvPicPr>
+                      <p:cNvPr id="1050" name="Picture 26" descr="MySQL - Download"/>
+                      <p:cNvPicPr>
+                        <a:picLocks noChangeAspect="1" noChangeArrowheads="1"/>
+                      </p:cNvPicPr>
+                      <p:nvPr/>
+                    </p:nvPicPr>
+                    <p:blipFill rotWithShape="1">
+                      <a:blip r:embed="rId2"/>
+                      <a:srcRect/>
+                      <a:stretch>
+                        <a:fillRect/>
+                      </a:stretch>
+                    </p:blipFill>
+                    <p:spPr>
+                      <a:xfrm>
+                        <a:off x="3181879" y="2582797"/>
+                        <a:ext cx="401703" cy="401703"/>
+                      </a:xfrm>
+                      <a:prstGeom prst="rect">
+                        <a:avLst/>
+                      </a:prstGeom>
+                      <a:noFill/>
+                      <a:scene3d>
+                        <a:camera prst="orthographicFront"/>
+                        <a:lightRig rig="threePt" dir="t"/>
+                      </a:scene3d>
+                      <a:sp3d>
+                        <a:bevelT prst="angle"/>
+                      </a:sp3d>
+                    </p:spPr>
+                  </p:pic>
                   <p:grpSp>
                     <p:nvGrpSpPr>
-                      <p:cNvPr id="74" name="그룹 73"/>
+                      <p:cNvPr id="75" name="그룹 74"/>
                       <p:cNvGrpSpPr/>
                       <p:nvPr/>
                     </p:nvGrpSpPr>
                     <p:grpSpPr>
                       <a:xfrm>
-                        <a:off x="1913984" y="1332034"/>
-                        <a:ext cx="3568646" cy="1250764"/>
-                        <a:chOff x="1126126" y="1337352"/>
-                        <a:chExt cx="3568646" cy="1250764"/>
+                        <a:off x="1913983" y="1332034"/>
+                        <a:ext cx="3568647" cy="1650544"/>
+                        <a:chOff x="1913983" y="1332034"/>
+                        <a:chExt cx="3568647" cy="1650544"/>
                       </a:xfrm>
                     </p:grpSpPr>
+                    <p:grpSp>
+                      <p:nvGrpSpPr>
+                        <p:cNvPr id="74" name="그룹 73"/>
+                        <p:cNvGrpSpPr/>
+                        <p:nvPr/>
+                      </p:nvGrpSpPr>
+                      <p:grpSpPr>
+                        <a:xfrm>
+                          <a:off x="1913984" y="1332034"/>
+                          <a:ext cx="3568646" cy="1250764"/>
+                          <a:chOff x="1126126" y="1337352"/>
+                          <a:chExt cx="3568646" cy="1250764"/>
+                        </a:xfrm>
+                      </p:grpSpPr>
+                      <p:pic>
+                        <p:nvPicPr>
+                          <p:cNvPr id="1038" name="Picture 14" descr="파일:Cisco logo.svg - 위키백과, 우리 모두의 백과사전"/>
+                          <p:cNvPicPr>
+                            <a:picLocks noChangeAspect="1" noChangeArrowheads="1"/>
+                          </p:cNvPicPr>
+                          <p:nvPr/>
+                        </p:nvPicPr>
+                        <p:blipFill rotWithShape="1">
+                          <a:blip r:embed="rId3"/>
+                          <a:srcRect/>
+                          <a:stretch>
+                            <a:fillRect/>
+                          </a:stretch>
+                        </p:blipFill>
+                        <p:spPr>
+                          <a:xfrm>
+                            <a:off x="1126126" y="1355399"/>
+                            <a:ext cx="2336865" cy="1232716"/>
+                          </a:xfrm>
+                          <a:prstGeom prst="rect">
+                            <a:avLst/>
+                          </a:prstGeom>
+                          <a:noFill/>
+                          <a:scene3d>
+                            <a:camera prst="orthographicFront"/>
+                            <a:lightRig rig="threePt" dir="t"/>
+                          </a:scene3d>
+                          <a:sp3d>
+                            <a:bevelT prst="angle"/>
+                          </a:sp3d>
+                        </p:spPr>
+                      </p:pic>
+                      <p:pic>
+                        <p:nvPicPr>
+                          <p:cNvPr id="1042" name="Picture 18" descr="JuniperNetworks - YouTube"/>
+                          <p:cNvPicPr>
+                            <a:picLocks noChangeAspect="1" noChangeArrowheads="1"/>
+                          </p:cNvPicPr>
+                          <p:nvPr/>
+                        </p:nvPicPr>
+                        <p:blipFill rotWithShape="1">
+                          <a:blip r:embed="rId4"/>
+                          <a:srcRect/>
+                          <a:stretch>
+                            <a:fillRect/>
+                          </a:stretch>
+                        </p:blipFill>
+                        <p:spPr>
+                          <a:xfrm>
+                            <a:off x="3462992" y="1337352"/>
+                            <a:ext cx="1231780" cy="1250764"/>
+                          </a:xfrm>
+                          <a:prstGeom prst="rect">
+                            <a:avLst/>
+                          </a:prstGeom>
+                          <a:noFill/>
+                          <a:scene3d>
+                            <a:camera prst="orthographicFront"/>
+                            <a:lightRig rig="threePt" dir="t"/>
+                          </a:scene3d>
+                          <a:sp3d>
+                            <a:bevelT prst="angle"/>
+                          </a:sp3d>
+                        </p:spPr>
+                      </p:pic>
+                    </p:grpSp>
                     <p:pic>
                       <p:nvPicPr>
-                        <p:cNvPr id="1038" name="Picture 14" descr="파일:Cisco logo.svg - 위키백과, 우리 모두의 백과사전"/>
+                        <p:cNvPr id="1052" name="Picture 28" descr="Bacula Systems - backup software for modern data center"/>
                         <p:cNvPicPr>
                           <a:picLocks noChangeAspect="1" noChangeArrowheads="1"/>
                         </p:cNvPicPr>
                         <p:nvPr/>
                       </p:nvPicPr>
                       <p:blipFill rotWithShape="1">
-                        <a:blip r:embed="rId3"/>
+                        <a:blip r:embed="rId5"/>
                         <a:srcRect/>
                         <a:stretch>
                           <a:fillRect/>
@@ -39323,41 +39286,8 @@
                       </p:blipFill>
                       <p:spPr>
                         <a:xfrm>
-                          <a:off x="1126126" y="1355399"/>
-                          <a:ext cx="2336865" cy="1232716"/>
-                        </a:xfrm>
-                        <a:prstGeom prst="rect">
-                          <a:avLst/>
-                        </a:prstGeom>
-                        <a:noFill/>
-                        <a:scene3d>
-                          <a:camera prst="orthographicFront"/>
-                          <a:lightRig rig="threePt" dir="t"/>
-                        </a:scene3d>
-                        <a:sp3d>
-                          <a:bevelT prst="angle"/>
-                        </a:sp3d>
-                      </p:spPr>
-                    </p:pic>
-                    <p:pic>
-                      <p:nvPicPr>
-                        <p:cNvPr id="1042" name="Picture 18" descr="JuniperNetworks - YouTube"/>
-                        <p:cNvPicPr>
-                          <a:picLocks noChangeAspect="1" noChangeArrowheads="1"/>
-                        </p:cNvPicPr>
-                        <p:nvPr/>
-                      </p:nvPicPr>
-                      <p:blipFill rotWithShape="1">
-                        <a:blip r:embed="rId4"/>
-                        <a:srcRect/>
-                        <a:stretch>
-                          <a:fillRect/>
-                        </a:stretch>
-                      </p:blipFill>
-                      <p:spPr>
-                        <a:xfrm>
-                          <a:off x="3462992" y="1337352"/>
-                          <a:ext cx="1231780" cy="1250764"/>
+                          <a:off x="1913983" y="2582797"/>
+                          <a:ext cx="869499" cy="399781"/>
                         </a:xfrm>
                         <a:prstGeom prst="rect">
                           <a:avLst/>
@@ -39375,14 +39305,14 @@
                   </p:grpSp>
                   <p:pic>
                     <p:nvPicPr>
-                      <p:cNvPr id="1052" name="Picture 28" descr="Bacula Systems - backup software for modern data center"/>
+                      <p:cNvPr id="1054" name="Picture 30" descr="Postfix-2 - SomeBooks.es"/>
                       <p:cNvPicPr>
                         <a:picLocks noChangeAspect="1" noChangeArrowheads="1"/>
                       </p:cNvPicPr>
                       <p:nvPr/>
                     </p:nvPicPr>
                     <p:blipFill rotWithShape="1">
-                      <a:blip r:embed="rId5"/>
+                      <a:blip r:embed="rId6"/>
                       <a:srcRect/>
                       <a:stretch>
                         <a:fillRect/>
@@ -39390,8 +39320,74 @@
                     </p:blipFill>
                     <p:spPr>
                       <a:xfrm>
-                        <a:off x="1913983" y="2582797"/>
-                        <a:ext cx="869499" cy="399781"/>
+                        <a:off x="3583582" y="2582797"/>
+                        <a:ext cx="1074143" cy="717527"/>
+                      </a:xfrm>
+                      <a:prstGeom prst="rect">
+                        <a:avLst/>
+                      </a:prstGeom>
+                      <a:noFill/>
+                      <a:scene3d>
+                        <a:camera prst="orthographicFront"/>
+                        <a:lightRig rig="threePt" dir="t"/>
+                      </a:scene3d>
+                      <a:sp3d>
+                        <a:bevelT prst="angle"/>
+                      </a:sp3d>
+                    </p:spPr>
+                  </p:pic>
+                  <p:pic>
+                    <p:nvPicPr>
+                      <p:cNvPr id="1056" name="Picture 32" descr="FileZilla Client - ASUSTOR NAS"/>
+                      <p:cNvPicPr>
+                        <a:picLocks noChangeAspect="1" noChangeArrowheads="1"/>
+                      </p:cNvPicPr>
+                      <p:nvPr/>
+                    </p:nvPicPr>
+                    <p:blipFill rotWithShape="1">
+                      <a:blip r:embed="rId7"/>
+                      <a:srcRect/>
+                      <a:stretch>
+                        <a:fillRect/>
+                      </a:stretch>
+                    </p:blipFill>
+                    <p:spPr>
+                      <a:xfrm>
+                        <a:off x="4652552" y="2582797"/>
+                        <a:ext cx="830078" cy="716637"/>
+                      </a:xfrm>
+                      <a:prstGeom prst="rect">
+                        <a:avLst/>
+                      </a:prstGeom>
+                      <a:noFill/>
+                      <a:scene3d>
+                        <a:camera prst="orthographicFront"/>
+                        <a:lightRig rig="threePt" dir="t"/>
+                      </a:scene3d>
+                      <a:sp3d>
+                        <a:bevelT prst="angle"/>
+                      </a:sp3d>
+                    </p:spPr>
+                  </p:pic>
+                  <p:pic>
+                    <p:nvPicPr>
+                      <p:cNvPr id="1058" name="Picture 34" descr="FreeNAS · GitHub"/>
+                      <p:cNvPicPr>
+                        <a:picLocks noChangeAspect="1" noChangeArrowheads="1"/>
+                      </p:cNvPicPr>
+                      <p:nvPr/>
+                    </p:nvPicPr>
+                    <p:blipFill rotWithShape="1">
+                      <a:blip r:embed="rId8"/>
+                      <a:srcRect/>
+                      <a:stretch>
+                        <a:fillRect/>
+                      </a:stretch>
+                    </p:blipFill>
+                    <p:spPr>
+                      <a:xfrm>
+                        <a:off x="3181879" y="2984500"/>
+                        <a:ext cx="401703" cy="314934"/>
                       </a:xfrm>
                       <a:prstGeom prst="rect">
                         <a:avLst/>
@@ -39409,14 +39405,14 @@
                 </p:grpSp>
                 <p:pic>
                   <p:nvPicPr>
-                    <p:cNvPr id="1054" name="Picture 30" descr="Postfix-2 - SomeBooks.es"/>
+                    <p:cNvPr id="1074" name="Picture 50" descr="What is AWS and What can you do with it | by Kunal Yadav | Medium"/>
                     <p:cNvPicPr>
                       <a:picLocks noChangeAspect="1" noChangeArrowheads="1"/>
                     </p:cNvPicPr>
                     <p:nvPr/>
                   </p:nvPicPr>
                   <p:blipFill rotWithShape="1">
-                    <a:blip r:embed="rId6"/>
+                    <a:blip r:embed="rId9"/>
                     <a:srcRect/>
                     <a:stretch>
                       <a:fillRect/>
@@ -39424,8 +39420,8 @@
                   </p:blipFill>
                   <p:spPr>
                     <a:xfrm>
-                      <a:off x="3583582" y="2582797"/>
-                      <a:ext cx="1074143" cy="717527"/>
+                      <a:off x="1913983" y="3290664"/>
+                      <a:ext cx="2277018" cy="1195435"/>
                     </a:xfrm>
                     <a:prstGeom prst="rect">
                       <a:avLst/>
@@ -39442,14 +39438,14 @@
                 </p:pic>
                 <p:pic>
                   <p:nvPicPr>
-                    <p:cNvPr id="1056" name="Picture 32" descr="FileZilla Client - ASUSTOR NAS"/>
+                    <p:cNvPr id="1078" name="Picture 54" descr="쿠버네티스에 대한 흥미로운 사실들 24가지"/>
                     <p:cNvPicPr>
                       <a:picLocks noChangeAspect="1" noChangeArrowheads="1"/>
                     </p:cNvPicPr>
                     <p:nvPr/>
                   </p:nvPicPr>
                   <p:blipFill rotWithShape="1">
-                    <a:blip r:embed="rId7"/>
+                    <a:blip r:embed="rId10"/>
                     <a:srcRect/>
                     <a:stretch>
                       <a:fillRect/>
@@ -39457,8 +39453,8 @@
                   </p:blipFill>
                   <p:spPr>
                     <a:xfrm>
-                      <a:off x="4652552" y="2582797"/>
-                      <a:ext cx="830078" cy="716637"/>
+                      <a:off x="4193447" y="3305623"/>
+                      <a:ext cx="1291629" cy="1168978"/>
                     </a:xfrm>
                     <a:prstGeom prst="rect">
                       <a:avLst/>
@@ -39475,14 +39471,14 @@
                 </p:pic>
                 <p:pic>
                   <p:nvPicPr>
-                    <p:cNvPr id="1058" name="Picture 34" descr="FreeNAS · GitHub"/>
+                    <p:cNvPr id="1080" name="Picture 56" descr="TryHackMe | DVWA"/>
                     <p:cNvPicPr>
                       <a:picLocks noChangeAspect="1" noChangeArrowheads="1"/>
                     </p:cNvPicPr>
                     <p:nvPr/>
                   </p:nvPicPr>
                   <p:blipFill rotWithShape="1">
-                    <a:blip r:embed="rId8"/>
+                    <a:blip r:embed="rId11"/>
                     <a:srcRect/>
                     <a:stretch>
                       <a:fillRect/>
@@ -39490,8 +39486,41 @@
                   </p:blipFill>
                   <p:spPr>
                     <a:xfrm>
-                      <a:off x="3181879" y="2984500"/>
-                      <a:ext cx="401703" cy="314934"/>
+                      <a:off x="1913983" y="4483117"/>
+                      <a:ext cx="1562642" cy="1185851"/>
+                    </a:xfrm>
+                    <a:prstGeom prst="rect">
+                      <a:avLst/>
+                    </a:prstGeom>
+                    <a:noFill/>
+                    <a:scene3d>
+                      <a:camera prst="orthographicFront"/>
+                      <a:lightRig rig="threePt" dir="t"/>
+                    </a:scene3d>
+                    <a:sp3d>
+                      <a:bevelT prst="angle"/>
+                    </a:sp3d>
+                  </p:spPr>
+                </p:pic>
+                <p:pic>
+                  <p:nvPicPr>
+                    <p:cNvPr id="1084" name="Picture 60" descr="Installing Wazuh agent on Debian with CSF firewall"/>
+                    <p:cNvPicPr>
+                      <a:picLocks noChangeAspect="1" noChangeArrowheads="1"/>
+                    </p:cNvPicPr>
+                    <p:nvPr/>
+                  </p:nvPicPr>
+                  <p:blipFill rotWithShape="1">
+                    <a:blip r:embed="rId12"/>
+                    <a:srcRect/>
+                    <a:stretch>
+                      <a:fillRect/>
+                    </a:stretch>
+                  </p:blipFill>
+                  <p:spPr>
+                    <a:xfrm>
+                      <a:off x="4242892" y="4486100"/>
+                      <a:ext cx="1239738" cy="1182868"/>
                     </a:xfrm>
                     <a:prstGeom prst="rect">
                       <a:avLst/>
@@ -39507,150 +39536,51 @@
                   </p:spPr>
                 </p:pic>
               </p:grpSp>
-              <p:pic>
-                <p:nvPicPr>
-                  <p:cNvPr id="1074" name="Picture 50" descr="What is AWS and What can you do with it | by Kunal Yadav | Medium"/>
-                  <p:cNvPicPr>
-                    <a:picLocks noChangeAspect="1" noChangeArrowheads="1"/>
-                  </p:cNvPicPr>
-                  <p:nvPr/>
-                </p:nvPicPr>
-                <p:blipFill rotWithShape="1">
-                  <a:blip r:embed="rId9"/>
-                  <a:srcRect/>
-                  <a:stretch>
-                    <a:fillRect/>
-                  </a:stretch>
-                </p:blipFill>
-                <p:spPr>
-                  <a:xfrm>
-                    <a:off x="1913983" y="3290664"/>
-                    <a:ext cx="2277018" cy="1195435"/>
-                  </a:xfrm>
-                  <a:prstGeom prst="rect">
-                    <a:avLst/>
-                  </a:prstGeom>
-                  <a:noFill/>
-                  <a:scene3d>
-                    <a:camera prst="orthographicFront"/>
-                    <a:lightRig rig="threePt" dir="t"/>
-                  </a:scene3d>
-                  <a:sp3d>
-                    <a:bevelT prst="angle"/>
-                  </a:sp3d>
-                </p:spPr>
-              </p:pic>
-              <p:pic>
-                <p:nvPicPr>
-                  <p:cNvPr id="1078" name="Picture 54" descr="쿠버네티스에 대한 흥미로운 사실들 24가지"/>
-                  <p:cNvPicPr>
-                    <a:picLocks noChangeAspect="1" noChangeArrowheads="1"/>
-                  </p:cNvPicPr>
-                  <p:nvPr/>
-                </p:nvPicPr>
-                <p:blipFill rotWithShape="1">
-                  <a:blip r:embed="rId10"/>
-                  <a:srcRect/>
-                  <a:stretch>
-                    <a:fillRect/>
-                  </a:stretch>
-                </p:blipFill>
-                <p:spPr>
-                  <a:xfrm>
-                    <a:off x="4193447" y="3305623"/>
-                    <a:ext cx="1291629" cy="1168978"/>
-                  </a:xfrm>
-                  <a:prstGeom prst="rect">
-                    <a:avLst/>
-                  </a:prstGeom>
-                  <a:noFill/>
-                  <a:scene3d>
-                    <a:camera prst="orthographicFront"/>
-                    <a:lightRig rig="threePt" dir="t"/>
-                  </a:scene3d>
-                  <a:sp3d>
-                    <a:bevelT prst="angle"/>
-                  </a:sp3d>
-                </p:spPr>
-              </p:pic>
-              <p:pic>
-                <p:nvPicPr>
-                  <p:cNvPr id="1080" name="Picture 56" descr="TryHackMe | DVWA"/>
-                  <p:cNvPicPr>
-                    <a:picLocks noChangeAspect="1" noChangeArrowheads="1"/>
-                  </p:cNvPicPr>
-                  <p:nvPr/>
-                </p:nvPicPr>
-                <p:blipFill rotWithShape="1">
-                  <a:blip r:embed="rId11"/>
-                  <a:srcRect/>
-                  <a:stretch>
-                    <a:fillRect/>
-                  </a:stretch>
-                </p:blipFill>
-                <p:spPr>
-                  <a:xfrm>
-                    <a:off x="1913983" y="4483117"/>
-                    <a:ext cx="1562642" cy="1185851"/>
-                  </a:xfrm>
-                  <a:prstGeom prst="rect">
-                    <a:avLst/>
-                  </a:prstGeom>
-                  <a:noFill/>
-                  <a:scene3d>
-                    <a:camera prst="orthographicFront"/>
-                    <a:lightRig rig="threePt" dir="t"/>
-                  </a:scene3d>
-                  <a:sp3d>
-                    <a:bevelT prst="angle"/>
-                  </a:sp3d>
-                </p:spPr>
-              </p:pic>
-              <p:pic>
-                <p:nvPicPr>
-                  <p:cNvPr id="1084" name="Picture 60" descr="Installing Wazuh agent on Debian with CSF firewall"/>
-                  <p:cNvPicPr>
-                    <a:picLocks noChangeAspect="1" noChangeArrowheads="1"/>
-                  </p:cNvPicPr>
-                  <p:nvPr/>
-                </p:nvPicPr>
-                <p:blipFill rotWithShape="1">
-                  <a:blip r:embed="rId12"/>
-                  <a:srcRect/>
-                  <a:stretch>
-                    <a:fillRect/>
-                  </a:stretch>
-                </p:blipFill>
-                <p:spPr>
-                  <a:xfrm>
-                    <a:off x="4242892" y="4486100"/>
-                    <a:ext cx="1239738" cy="1182868"/>
-                  </a:xfrm>
-                  <a:prstGeom prst="rect">
-                    <a:avLst/>
-                  </a:prstGeom>
-                  <a:noFill/>
-                  <a:scene3d>
-                    <a:camera prst="orthographicFront"/>
-                    <a:lightRig rig="threePt" dir="t"/>
-                  </a:scene3d>
-                  <a:sp3d>
-                    <a:bevelT prst="angle"/>
-                  </a:sp3d>
-                </p:spPr>
-              </p:pic>
             </p:grpSp>
+            <p:pic>
+              <p:nvPicPr>
+                <p:cNvPr id="1088" name="Picture 64" descr="Lámina rígida for Sale con la obra «Logotipo de Kali Linux» de Weeev |  Redbubble"/>
+                <p:cNvPicPr>
+                  <a:picLocks noChangeAspect="1" noChangeArrowheads="1"/>
+                </p:cNvPicPr>
+                <p:nvPr/>
+              </p:nvPicPr>
+              <p:blipFill rotWithShape="1">
+                <a:blip r:embed="rId13"/>
+                <a:srcRect/>
+                <a:stretch>
+                  <a:fillRect/>
+                </a:stretch>
+              </p:blipFill>
+              <p:spPr>
+                <a:xfrm>
+                  <a:off x="3369945" y="4614961"/>
+                  <a:ext cx="766267" cy="1185851"/>
+                </a:xfrm>
+                <a:prstGeom prst="rect">
+                  <a:avLst/>
+                </a:prstGeom>
+                <a:noFill/>
+                <a:scene3d>
+                  <a:camera prst="orthographicFront"/>
+                  <a:lightRig rig="threePt" dir="t"/>
+                </a:scene3d>
+                <a:sp3d>
+                  <a:bevelT prst="angle"/>
+                </a:sp3d>
+              </p:spPr>
+            </p:pic>
           </p:grpSp>
           <p:pic>
             <p:nvPicPr>
-              <p:cNvPr id="1088" name="Picture 64" descr="Lámina rígida for Sale con la obra «Logotipo de Kali Linux» de Weeev |  Redbubble"/>
+              <p:cNvPr id="1066" name="Picture 42" descr="Raspberry PI 4 Log aufrufen Chefblogger Magazin über Wordpress, Social  Media, eCommerce und Online Marketing"/>
               <p:cNvPicPr>
                 <a:picLocks noChangeAspect="1" noChangeArrowheads="1"/>
               </p:cNvPicPr>
               <p:nvPr/>
             </p:nvPicPr>
             <p:blipFill rotWithShape="1">
-              <a:blip r:embed="rId13"/>
+              <a:blip r:embed="rId14"/>
               <a:srcRect/>
               <a:stretch>
                 <a:fillRect/>
@@ -39658,8 +39588,8 @@
             </p:blipFill>
             <p:spPr>
               <a:xfrm>
-                <a:off x="3369945" y="4614961"/>
-                <a:ext cx="766267" cy="1185851"/>
+                <a:off x="2403077" y="3114422"/>
+                <a:ext cx="547449" cy="307940"/>
               </a:xfrm>
               <a:prstGeom prst="rect">
                 <a:avLst/>
@@ -39675,30 +39605,42 @@
             </p:spPr>
           </p:pic>
         </p:grpSp>
-        <p:pic>
-          <p:nvPicPr>
-            <p:cNvPr id="1066" name="Picture 42" descr="Raspberry PI 4 Log aufrufen Chefblogger Magazin über Wordpress, Social  Media, eCommerce und Online Marketing"/>
-            <p:cNvPicPr>
-              <a:picLocks noChangeAspect="1" noChangeArrowheads="1"/>
-            </p:cNvPicPr>
+        <p:sp>
+          <p:nvSpPr>
+            <p:cNvPr id="9" name="모서리가 둥근 직사각형 8"/>
+            <p:cNvSpPr/>
             <p:nvPr/>
-          </p:nvPicPr>
-          <p:blipFill rotWithShape="1">
-            <a:blip r:embed="rId14"/>
-            <a:srcRect/>
-            <a:stretch>
-              <a:fillRect/>
-            </a:stretch>
-          </p:blipFill>
+          </p:nvSpPr>
           <p:spPr>
             <a:xfrm>
-              <a:off x="2403077" y="3114422"/>
-              <a:ext cx="547449" cy="307940"/>
+              <a:off x="6642990" y="1791385"/>
+              <a:ext cx="3088433" cy="690466"/>
             </a:xfrm>
-            <a:prstGeom prst="rect">
-              <a:avLst/>
+            <a:prstGeom prst="roundRect">
+              <a:avLst>
+                <a:gd name="adj" fmla="val 0"/>
+              </a:avLst>
             </a:prstGeom>
-            <a:noFill/>
+            <a:gradFill flip="none" rotWithShape="1">
+              <a:gsLst>
+                <a:gs pos="0">
+                  <a:srgbClr val="9DB2DA"/>
+                </a:gs>
+                <a:gs pos="100000">
+                  <a:srgbClr val="3E61C3"/>
+                </a:gs>
+                <a:gs pos="91000">
+                  <a:srgbClr val="4D77CB"/>
+                </a:gs>
+              </a:gsLst>
+              <a:path path="circle">
+                <a:fillToRect l="100000" t="100000"/>
+              </a:path>
+              <a:tileRect r="-100000" b="-100000"/>
+            </a:gradFill>
+            <a:ln>
+              <a:noFill/>
+            </a:ln>
             <a:scene3d>
               <a:camera prst="orthographicFront"/>
               <a:lightRig rig="threePt" dir="t"/>
@@ -39707,737 +39649,752 @@
               <a:bevelT prst="angle"/>
             </a:sp3d>
           </p:spPr>
-        </p:pic>
-      </p:grpSp>
-      <p:pic>
-        <p:nvPicPr>
-          <p:cNvPr id="36" name="그림 35"/>
-          <p:cNvPicPr>
-            <a:picLocks noChangeAspect="1"/>
-          </p:cNvPicPr>
-          <p:nvPr/>
-        </p:nvPicPr>
-        <p:blipFill>
-          <a:blip r:embed="rId15" cstate="print">
-            <a:extLst>
-              <a:ext uri="{28A0092B-C50C-407E-A947-70E740481C1C}">
-                <a14:useLocalDpi xmlns:a14="http://schemas.microsoft.com/office/drawing/2010/main" val="0"/>
-              </a:ext>
-            </a:extLst>
-          </a:blip>
-          <a:stretch>
-            <a:fillRect/>
-          </a:stretch>
-        </p:blipFill>
-        <p:spPr>
-          <a:xfrm rot="13500000">
-            <a:off x="4185217" y="1570743"/>
-            <a:ext cx="1080000" cy="1080000"/>
-          </a:xfrm>
-          <a:prstGeom prst="rect">
-            <a:avLst/>
-          </a:prstGeom>
-        </p:spPr>
-      </p:pic>
-      <p:pic>
-        <p:nvPicPr>
-          <p:cNvPr id="38" name="그림 37"/>
-          <p:cNvPicPr>
-            <a:picLocks noChangeAspect="1"/>
-          </p:cNvPicPr>
-          <p:nvPr/>
-        </p:nvPicPr>
-        <p:blipFill rotWithShape="1">
-          <a:blip r:embed="rId16"/>
-          <a:stretch>
-            <a:fillRect/>
-          </a:stretch>
-        </p:blipFill>
-        <p:spPr>
-          <a:xfrm rot="13500000">
-            <a:off x="4177991" y="2553865"/>
-            <a:ext cx="1080000" cy="1080000"/>
-          </a:xfrm>
-          <a:prstGeom prst="rect">
-            <a:avLst/>
-          </a:prstGeom>
-        </p:spPr>
-      </p:pic>
-      <p:pic>
-        <p:nvPicPr>
-          <p:cNvPr id="39" name="그림 38"/>
-          <p:cNvPicPr>
-            <a:picLocks noChangeAspect="1"/>
-          </p:cNvPicPr>
-          <p:nvPr/>
-        </p:nvPicPr>
-        <p:blipFill rotWithShape="1">
-          <a:blip r:embed="rId16"/>
-          <a:stretch>
-            <a:fillRect/>
-          </a:stretch>
-        </p:blipFill>
-        <p:spPr>
-          <a:xfrm rot="13500000">
-            <a:off x="4183163" y="3506283"/>
-            <a:ext cx="1080000" cy="1080000"/>
-          </a:xfrm>
-          <a:prstGeom prst="rect">
-            <a:avLst/>
-          </a:prstGeom>
-        </p:spPr>
-      </p:pic>
-      <p:pic>
-        <p:nvPicPr>
-          <p:cNvPr id="40" name="그림 39"/>
-          <p:cNvPicPr>
-            <a:picLocks noChangeAspect="1"/>
-          </p:cNvPicPr>
-          <p:nvPr/>
-        </p:nvPicPr>
-        <p:blipFill rotWithShape="1">
-          <a:blip r:embed="rId16"/>
-          <a:stretch>
-            <a:fillRect/>
-          </a:stretch>
-        </p:blipFill>
-        <p:spPr>
-          <a:xfrm rot="13500000">
-            <a:off x="4208952" y="4699577"/>
-            <a:ext cx="1080000" cy="1080000"/>
-          </a:xfrm>
-          <a:prstGeom prst="rect">
-            <a:avLst/>
-          </a:prstGeom>
-        </p:spPr>
-      </p:pic>
-      <p:sp>
-        <p:nvSpPr>
-          <p:cNvPr id="8" name="직사각형 7"/>
-          <p:cNvSpPr/>
-          <p:nvPr/>
-        </p:nvSpPr>
-        <p:spPr>
-          <a:xfrm>
-            <a:off x="5235781" y="2062381"/>
-            <a:ext cx="536438" cy="95348"/>
-          </a:xfrm>
-          <a:prstGeom prst="rect">
-            <a:avLst/>
-          </a:prstGeom>
-          <a:solidFill>
-            <a:schemeClr val="tx1"/>
-          </a:solidFill>
-          <a:ln>
-            <a:noFill/>
-          </a:ln>
-        </p:spPr>
-        <p:style>
-          <a:lnRef idx="2">
-            <a:schemeClr val="accent1">
-              <a:shade val="50000"/>
-            </a:schemeClr>
-          </a:lnRef>
-          <a:fillRef idx="1">
-            <a:schemeClr val="accent1"/>
-          </a:fillRef>
-          <a:effectRef idx="0">
-            <a:schemeClr val="accent1"/>
-          </a:effectRef>
-          <a:fontRef idx="minor">
-            <a:schemeClr val="lt1"/>
-          </a:fontRef>
-        </p:style>
-        <p:txBody>
-          <a:bodyPr rtlCol="0" anchor="ctr"/>
-          <a:lstStyle/>
-          <a:p>
-            <a:pPr algn="ctr"/>
-            <a:endParaRPr lang="ko-KR" altLang="en-US"/>
-          </a:p>
-        </p:txBody>
-      </p:sp>
-      <p:sp>
-        <p:nvSpPr>
-          <p:cNvPr id="49" name="직사각형 48"/>
-          <p:cNvSpPr/>
-          <p:nvPr/>
-        </p:nvSpPr>
-        <p:spPr>
-          <a:xfrm>
-            <a:off x="5213448" y="3046191"/>
-            <a:ext cx="536438" cy="95348"/>
-          </a:xfrm>
-          <a:prstGeom prst="rect">
-            <a:avLst/>
-          </a:prstGeom>
-          <a:solidFill>
-            <a:schemeClr val="tx1"/>
-          </a:solidFill>
-          <a:ln>
-            <a:noFill/>
-          </a:ln>
-        </p:spPr>
-        <p:style>
-          <a:lnRef idx="2">
-            <a:schemeClr val="accent1">
-              <a:shade val="50000"/>
-            </a:schemeClr>
-          </a:lnRef>
-          <a:fillRef idx="1">
-            <a:schemeClr val="accent1"/>
-          </a:fillRef>
-          <a:effectRef idx="0">
-            <a:schemeClr val="accent1"/>
-          </a:effectRef>
-          <a:fontRef idx="minor">
-            <a:schemeClr val="lt1"/>
-          </a:fontRef>
-        </p:style>
-        <p:txBody>
-          <a:bodyPr rtlCol="0" anchor="ctr"/>
-          <a:lstStyle/>
-          <a:p>
-            <a:pPr algn="ctr"/>
-            <a:endParaRPr lang="ko-KR" altLang="en-US"/>
-          </a:p>
-        </p:txBody>
-      </p:sp>
-      <p:sp>
-        <p:nvSpPr>
-          <p:cNvPr id="50" name="직사각형 49"/>
-          <p:cNvSpPr/>
-          <p:nvPr/>
-        </p:nvSpPr>
-        <p:spPr>
-          <a:xfrm>
-            <a:off x="5220674" y="3999075"/>
-            <a:ext cx="536438" cy="95348"/>
-          </a:xfrm>
-          <a:prstGeom prst="rect">
-            <a:avLst/>
-          </a:prstGeom>
-          <a:solidFill>
-            <a:schemeClr val="tx1"/>
-          </a:solidFill>
-          <a:ln>
-            <a:noFill/>
-          </a:ln>
-        </p:spPr>
-        <p:style>
-          <a:lnRef idx="2">
-            <a:schemeClr val="accent1">
-              <a:shade val="50000"/>
-            </a:schemeClr>
-          </a:lnRef>
-          <a:fillRef idx="1">
-            <a:schemeClr val="accent1"/>
-          </a:fillRef>
-          <a:effectRef idx="0">
-            <a:schemeClr val="accent1"/>
-          </a:effectRef>
-          <a:fontRef idx="minor">
-            <a:schemeClr val="lt1"/>
-          </a:fontRef>
-        </p:style>
-        <p:txBody>
-          <a:bodyPr rtlCol="0" anchor="ctr"/>
-          <a:lstStyle/>
-          <a:p>
-            <a:pPr algn="ctr"/>
-            <a:endParaRPr lang="ko-KR" altLang="en-US"/>
-          </a:p>
-        </p:txBody>
-      </p:sp>
-      <p:sp>
-        <p:nvSpPr>
-          <p:cNvPr id="51" name="직사각형 50"/>
-          <p:cNvSpPr/>
-          <p:nvPr/>
-        </p:nvSpPr>
-        <p:spPr>
-          <a:xfrm>
-            <a:off x="5246092" y="5191903"/>
-            <a:ext cx="536438" cy="95348"/>
-          </a:xfrm>
-          <a:prstGeom prst="rect">
-            <a:avLst/>
-          </a:prstGeom>
-          <a:solidFill>
-            <a:schemeClr val="tx1"/>
-          </a:solidFill>
-          <a:ln>
-            <a:noFill/>
-          </a:ln>
-        </p:spPr>
-        <p:style>
-          <a:lnRef idx="2">
-            <a:schemeClr val="accent1">
-              <a:shade val="50000"/>
-            </a:schemeClr>
-          </a:lnRef>
-          <a:fillRef idx="1">
-            <a:schemeClr val="accent1"/>
-          </a:fillRef>
-          <a:effectRef idx="0">
-            <a:schemeClr val="accent1"/>
-          </a:effectRef>
-          <a:fontRef idx="minor">
-            <a:schemeClr val="lt1"/>
-          </a:fontRef>
-        </p:style>
-        <p:txBody>
-          <a:bodyPr rtlCol="0" anchor="ctr"/>
-          <a:lstStyle/>
-          <a:p>
-            <a:pPr algn="ctr"/>
-            <a:endParaRPr lang="ko-KR" altLang="en-US"/>
-          </a:p>
-        </p:txBody>
-      </p:sp>
-      <p:sp>
-        <p:nvSpPr>
-          <p:cNvPr id="9" name="모서리가 둥근 직사각형 8"/>
-          <p:cNvSpPr/>
-          <p:nvPr/>
-        </p:nvSpPr>
-        <p:spPr>
-          <a:xfrm>
-            <a:off x="6642990" y="1791385"/>
-            <a:ext cx="3088433" cy="690466"/>
-          </a:xfrm>
-          <a:prstGeom prst="roundRect">
-            <a:avLst>
-              <a:gd name="adj" fmla="val 0"/>
-            </a:avLst>
-          </a:prstGeom>
-          <a:gradFill flip="none" rotWithShape="1">
-            <a:gsLst>
-              <a:gs pos="0">
-                <a:srgbClr val="9DB2DA"/>
-              </a:gs>
-              <a:gs pos="100000">
-                <a:srgbClr val="3E61C3"/>
-              </a:gs>
-              <a:gs pos="91000">
-                <a:srgbClr val="4D77CB"/>
-              </a:gs>
-            </a:gsLst>
-            <a:path path="circle">
-              <a:fillToRect l="100000" t="100000"/>
-            </a:path>
-            <a:tileRect r="-100000" b="-100000"/>
-          </a:gradFill>
-          <a:ln>
-            <a:noFill/>
-          </a:ln>
-          <a:scene3d>
-            <a:camera prst="orthographicFront"/>
-            <a:lightRig rig="threePt" dir="t"/>
-          </a:scene3d>
-          <a:sp3d>
-            <a:bevelT prst="angle"/>
-          </a:sp3d>
-        </p:spPr>
-        <p:style>
-          <a:lnRef idx="2">
-            <a:schemeClr val="accent1">
-              <a:shade val="50000"/>
-            </a:schemeClr>
-          </a:lnRef>
-          <a:fillRef idx="1">
-            <a:schemeClr val="accent1"/>
-          </a:fillRef>
-          <a:effectRef idx="0">
-            <a:schemeClr val="accent1"/>
-          </a:effectRef>
-          <a:fontRef idx="minor">
-            <a:schemeClr val="lt1"/>
-          </a:fontRef>
-        </p:style>
-        <p:txBody>
-          <a:bodyPr anchor="ctr"/>
-          <a:lstStyle/>
-          <a:p>
-            <a:pPr algn="ctr">
-              <a:defRPr/>
-            </a:pPr>
-            <a:r>
-              <a:rPr lang="ko-KR" altLang="en-US" sz="2300">
+          <p:style>
+            <a:lnRef idx="2">
+              <a:schemeClr val="accent1">
+                <a:shade val="50000"/>
+              </a:schemeClr>
+            </a:lnRef>
+            <a:fillRef idx="1">
+              <a:schemeClr val="accent1"/>
+            </a:fillRef>
+            <a:effectRef idx="0">
+              <a:schemeClr val="accent1"/>
+            </a:effectRef>
+            <a:fontRef idx="minor">
+              <a:schemeClr val="lt1"/>
+            </a:fontRef>
+          </p:style>
+          <p:txBody>
+            <a:bodyPr anchor="ctr"/>
+            <a:lstStyle/>
+            <a:p>
+              <a:pPr algn="ctr">
+                <a:defRPr/>
+              </a:pPr>
+              <a:r>
+                <a:rPr lang="ko-KR" altLang="en-US" sz="2300" dirty="0">
+                  <a:solidFill>
+                    <a:srgbClr val="000000"/>
+                  </a:solidFill>
+                  <a:latin typeface="HY헤드라인M"/>
+                  <a:ea typeface="HY헤드라인M"/>
+                </a:rPr>
+                <a:t>네트워크</a:t>
+              </a:r>
+            </a:p>
+          </p:txBody>
+        </p:sp>
+        <p:grpSp>
+          <p:nvGrpSpPr>
+            <p:cNvPr id="2" name="그룹 1"/>
+            <p:cNvGrpSpPr/>
+            <p:nvPr/>
+          </p:nvGrpSpPr>
+          <p:grpSpPr>
+            <a:xfrm>
+              <a:off x="4185217" y="1570055"/>
+              <a:ext cx="2619346" cy="1080688"/>
+              <a:chOff x="4185217" y="1570055"/>
+              <a:chExt cx="2619346" cy="1080688"/>
+            </a:xfrm>
+          </p:grpSpPr>
+          <p:pic>
+            <p:nvPicPr>
+              <p:cNvPr id="36" name="그림 35"/>
+              <p:cNvPicPr>
+                <a:picLocks noChangeAspect="1"/>
+              </p:cNvPicPr>
+              <p:nvPr/>
+            </p:nvPicPr>
+            <p:blipFill>
+              <a:blip r:embed="rId15" cstate="print">
+                <a:extLst>
+                  <a:ext uri="{28A0092B-C50C-407E-A947-70E740481C1C}">
+                    <a14:useLocalDpi xmlns:a14="http://schemas.microsoft.com/office/drawing/2010/main" val="0"/>
+                  </a:ext>
+                </a:extLst>
+              </a:blip>
+              <a:stretch>
+                <a:fillRect/>
+              </a:stretch>
+            </p:blipFill>
+            <p:spPr>
+              <a:xfrm rot="13500000">
+                <a:off x="4185217" y="1570743"/>
+                <a:ext cx="1080000" cy="1080000"/>
+              </a:xfrm>
+              <a:prstGeom prst="rect">
+                <a:avLst/>
+              </a:prstGeom>
+            </p:spPr>
+          </p:pic>
+          <p:sp>
+            <p:nvSpPr>
+              <p:cNvPr id="8" name="직사각형 7"/>
+              <p:cNvSpPr/>
+              <p:nvPr/>
+            </p:nvSpPr>
+            <p:spPr>
+              <a:xfrm>
+                <a:off x="5235781" y="2062381"/>
+                <a:ext cx="536438" cy="95348"/>
+              </a:xfrm>
+              <a:prstGeom prst="rect">
+                <a:avLst/>
+              </a:prstGeom>
+              <a:solidFill>
+                <a:schemeClr val="tx1"/>
+              </a:solidFill>
+              <a:ln>
+                <a:noFill/>
+              </a:ln>
+            </p:spPr>
+            <p:style>
+              <a:lnRef idx="2">
+                <a:schemeClr val="accent1">
+                  <a:shade val="50000"/>
+                </a:schemeClr>
+              </a:lnRef>
+              <a:fillRef idx="1">
+                <a:schemeClr val="accent1"/>
+              </a:fillRef>
+              <a:effectRef idx="0">
+                <a:schemeClr val="accent1"/>
+              </a:effectRef>
+              <a:fontRef idx="minor">
+                <a:schemeClr val="lt1"/>
+              </a:fontRef>
+            </p:style>
+            <p:txBody>
+              <a:bodyPr rtlCol="0" anchor="ctr"/>
+              <a:lstStyle/>
+              <a:p>
+                <a:pPr algn="ctr"/>
+                <a:endParaRPr lang="ko-KR" altLang="en-US"/>
+              </a:p>
+            </p:txBody>
+          </p:sp>
+          <p:pic>
+            <p:nvPicPr>
+              <p:cNvPr id="41" name="그림 40"/>
+              <p:cNvPicPr>
+                <a:picLocks noChangeAspect="1"/>
+              </p:cNvPicPr>
+              <p:nvPr/>
+            </p:nvPicPr>
+            <p:blipFill rotWithShape="1">
+              <a:blip r:embed="rId16"/>
+              <a:stretch>
+                <a:fillRect/>
+              </a:stretch>
+            </p:blipFill>
+            <p:spPr>
+              <a:xfrm rot="2700000">
+                <a:off x="5724563" y="1570055"/>
+                <a:ext cx="1080000" cy="1080000"/>
+              </a:xfrm>
+              <a:prstGeom prst="rect">
+                <a:avLst/>
+              </a:prstGeom>
+            </p:spPr>
+          </p:pic>
+        </p:grpSp>
+        <p:sp>
+          <p:nvSpPr>
+            <p:cNvPr id="53" name="모서리가 둥근 직사각형 52"/>
+            <p:cNvSpPr/>
+            <p:nvPr/>
+          </p:nvSpPr>
+          <p:spPr>
+            <a:xfrm>
+              <a:off x="6642989" y="2745389"/>
+              <a:ext cx="3088433" cy="690466"/>
+            </a:xfrm>
+            <a:prstGeom prst="roundRect">
+              <a:avLst>
+                <a:gd name="adj" fmla="val 0"/>
+              </a:avLst>
+            </a:prstGeom>
+            <a:gradFill flip="none" rotWithShape="1">
+              <a:gsLst>
+                <a:gs pos="0">
+                  <a:srgbClr val="9DB2DA"/>
+                </a:gs>
+                <a:gs pos="100000">
+                  <a:srgbClr val="3E61C3"/>
+                </a:gs>
+                <a:gs pos="91000">
+                  <a:srgbClr val="4D77CB"/>
+                </a:gs>
+              </a:gsLst>
+              <a:path path="circle">
+                <a:fillToRect l="100000" t="100000"/>
+              </a:path>
+              <a:tileRect r="-100000" b="-100000"/>
+            </a:gradFill>
+            <a:ln>
+              <a:noFill/>
+            </a:ln>
+            <a:scene3d>
+              <a:camera prst="orthographicFront"/>
+              <a:lightRig rig="threePt" dir="t"/>
+            </a:scene3d>
+            <a:sp3d>
+              <a:bevelT prst="angle"/>
+            </a:sp3d>
+          </p:spPr>
+          <p:style>
+            <a:lnRef idx="2">
+              <a:schemeClr val="accent1">
+                <a:shade val="50000"/>
+              </a:schemeClr>
+            </a:lnRef>
+            <a:fillRef idx="1">
+              <a:schemeClr val="accent1"/>
+            </a:fillRef>
+            <a:effectRef idx="0">
+              <a:schemeClr val="accent1"/>
+            </a:effectRef>
+            <a:fontRef idx="minor">
+              <a:schemeClr val="lt1"/>
+            </a:fontRef>
+          </p:style>
+          <p:txBody>
+            <a:bodyPr anchor="ctr"/>
+            <a:lstStyle/>
+            <a:p>
+              <a:pPr algn="ctr">
+                <a:defRPr/>
+              </a:pPr>
+              <a:r>
+                <a:rPr lang="ko-KR" altLang="en-US" sz="2300">
+                  <a:solidFill>
+                    <a:srgbClr val="000000"/>
+                  </a:solidFill>
+                  <a:latin typeface="HY헤드라인M"/>
+                  <a:ea typeface="HY헤드라인M"/>
+                </a:rPr>
+                <a:t>로컬 서버</a:t>
+              </a:r>
+            </a:p>
+          </p:txBody>
+        </p:sp>
+        <p:sp>
+          <p:nvSpPr>
+            <p:cNvPr id="54" name="모서리가 둥근 직사각형 53"/>
+            <p:cNvSpPr/>
+            <p:nvPr/>
+          </p:nvSpPr>
+          <p:spPr>
+            <a:xfrm>
+              <a:off x="6642989" y="3699101"/>
+              <a:ext cx="3088433" cy="690466"/>
+            </a:xfrm>
+            <a:prstGeom prst="roundRect">
+              <a:avLst>
+                <a:gd name="adj" fmla="val 0"/>
+              </a:avLst>
+            </a:prstGeom>
+            <a:gradFill flip="none" rotWithShape="1">
+              <a:gsLst>
+                <a:gs pos="0">
+                  <a:srgbClr val="9DB2DA"/>
+                </a:gs>
+                <a:gs pos="100000">
+                  <a:srgbClr val="3E61C3"/>
+                </a:gs>
+                <a:gs pos="91000">
+                  <a:srgbClr val="4D77CB"/>
+                </a:gs>
+              </a:gsLst>
+              <a:path path="circle">
+                <a:fillToRect l="100000" t="100000"/>
+              </a:path>
+              <a:tileRect r="-100000" b="-100000"/>
+            </a:gradFill>
+            <a:ln>
+              <a:noFill/>
+            </a:ln>
+            <a:scene3d>
+              <a:camera prst="orthographicFront"/>
+              <a:lightRig rig="threePt" dir="t"/>
+            </a:scene3d>
+            <a:sp3d>
+              <a:bevelT prst="angle"/>
+            </a:sp3d>
+          </p:spPr>
+          <p:style>
+            <a:lnRef idx="2">
+              <a:schemeClr val="accent1">
+                <a:shade val="50000"/>
+              </a:schemeClr>
+            </a:lnRef>
+            <a:fillRef idx="1">
+              <a:schemeClr val="accent1"/>
+            </a:fillRef>
+            <a:effectRef idx="0">
+              <a:schemeClr val="accent1"/>
+            </a:effectRef>
+            <a:fontRef idx="minor">
+              <a:schemeClr val="lt1"/>
+            </a:fontRef>
+          </p:style>
+          <p:txBody>
+            <a:bodyPr anchor="ctr"/>
+            <a:lstStyle/>
+            <a:p>
+              <a:pPr algn="ctr">
+                <a:defRPr/>
+              </a:pPr>
+              <a:r>
+                <a:rPr lang="en-US" altLang="ko-KR" sz="2300">
+                  <a:solidFill>
+                    <a:srgbClr val="000000"/>
+                  </a:solidFill>
+                  <a:latin typeface="HY헤드라인M"/>
+                  <a:ea typeface="HY헤드라인M"/>
+                </a:rPr>
+                <a:t>Cloud</a:t>
+              </a:r>
+              <a:endParaRPr lang="ko-KR" altLang="en-US" sz="2300">
                 <a:solidFill>
                   <a:srgbClr val="000000"/>
                 </a:solidFill>
                 <a:latin typeface="HY헤드라인M"/>
                 <a:ea typeface="HY헤드라인M"/>
-              </a:rPr>
-              <a:t>네트워크</a:t>
-            </a:r>
-          </a:p>
-        </p:txBody>
-      </p:sp>
-      <p:pic>
-        <p:nvPicPr>
-          <p:cNvPr id="41" name="그림 40"/>
-          <p:cNvPicPr>
-            <a:picLocks noChangeAspect="1"/>
-          </p:cNvPicPr>
-          <p:nvPr/>
-        </p:nvPicPr>
-        <p:blipFill rotWithShape="1">
-          <a:blip r:embed="rId16"/>
-          <a:stretch>
-            <a:fillRect/>
-          </a:stretch>
-        </p:blipFill>
-        <p:spPr>
-          <a:xfrm rot="2700000">
-            <a:off x="5724563" y="1570055"/>
-            <a:ext cx="1080000" cy="1080000"/>
-          </a:xfrm>
-          <a:prstGeom prst="rect">
-            <a:avLst/>
-          </a:prstGeom>
-        </p:spPr>
-      </p:pic>
-      <p:sp>
-        <p:nvSpPr>
-          <p:cNvPr id="53" name="모서리가 둥근 직사각형 52"/>
-          <p:cNvSpPr/>
-          <p:nvPr/>
-        </p:nvSpPr>
-        <p:spPr>
-          <a:xfrm>
-            <a:off x="6642989" y="2745389"/>
-            <a:ext cx="3088433" cy="690466"/>
-          </a:xfrm>
-          <a:prstGeom prst="roundRect">
-            <a:avLst>
-              <a:gd name="adj" fmla="val 0"/>
-            </a:avLst>
-          </a:prstGeom>
-          <a:gradFill flip="none" rotWithShape="1">
-            <a:gsLst>
-              <a:gs pos="0">
-                <a:srgbClr val="9DB2DA"/>
-              </a:gs>
-              <a:gs pos="100000">
-                <a:srgbClr val="3E61C3"/>
-              </a:gs>
-              <a:gs pos="91000">
-                <a:srgbClr val="4D77CB"/>
-              </a:gs>
-            </a:gsLst>
-            <a:path path="circle">
-              <a:fillToRect l="100000" t="100000"/>
-            </a:path>
-            <a:tileRect r="-100000" b="-100000"/>
-          </a:gradFill>
-          <a:ln>
-            <a:noFill/>
-          </a:ln>
-          <a:scene3d>
-            <a:camera prst="orthographicFront"/>
-            <a:lightRig rig="threePt" dir="t"/>
-          </a:scene3d>
-          <a:sp3d>
-            <a:bevelT prst="angle"/>
-          </a:sp3d>
-        </p:spPr>
-        <p:style>
-          <a:lnRef idx="2">
-            <a:schemeClr val="accent1">
-              <a:shade val="50000"/>
-            </a:schemeClr>
-          </a:lnRef>
-          <a:fillRef idx="1">
-            <a:schemeClr val="accent1"/>
-          </a:fillRef>
-          <a:effectRef idx="0">
-            <a:schemeClr val="accent1"/>
-          </a:effectRef>
-          <a:fontRef idx="minor">
-            <a:schemeClr val="lt1"/>
-          </a:fontRef>
-        </p:style>
-        <p:txBody>
-          <a:bodyPr anchor="ctr"/>
-          <a:lstStyle/>
-          <a:p>
-            <a:pPr algn="ctr">
-              <a:defRPr/>
-            </a:pPr>
-            <a:r>
-              <a:rPr lang="ko-KR" altLang="en-US" sz="2300">
-                <a:solidFill>
-                  <a:srgbClr val="000000"/>
-                </a:solidFill>
-                <a:latin typeface="HY헤드라인M"/>
-                <a:ea typeface="HY헤드라인M"/>
-              </a:rPr>
-              <a:t>로컬 서버</a:t>
-            </a:r>
-          </a:p>
-        </p:txBody>
-      </p:sp>
-      <p:sp>
-        <p:nvSpPr>
-          <p:cNvPr id="54" name="모서리가 둥근 직사각형 53"/>
-          <p:cNvSpPr/>
-          <p:nvPr/>
-        </p:nvSpPr>
-        <p:spPr>
-          <a:xfrm>
-            <a:off x="6642989" y="3699101"/>
-            <a:ext cx="3088433" cy="690466"/>
-          </a:xfrm>
-          <a:prstGeom prst="roundRect">
-            <a:avLst>
-              <a:gd name="adj" fmla="val 0"/>
-            </a:avLst>
-          </a:prstGeom>
-          <a:gradFill flip="none" rotWithShape="1">
-            <a:gsLst>
-              <a:gs pos="0">
-                <a:srgbClr val="9DB2DA"/>
-              </a:gs>
-              <a:gs pos="100000">
-                <a:srgbClr val="3E61C3"/>
-              </a:gs>
-              <a:gs pos="91000">
-                <a:srgbClr val="4D77CB"/>
-              </a:gs>
-            </a:gsLst>
-            <a:path path="circle">
-              <a:fillToRect l="100000" t="100000"/>
-            </a:path>
-            <a:tileRect r="-100000" b="-100000"/>
-          </a:gradFill>
-          <a:ln>
-            <a:noFill/>
-          </a:ln>
-          <a:scene3d>
-            <a:camera prst="orthographicFront"/>
-            <a:lightRig rig="threePt" dir="t"/>
-          </a:scene3d>
-          <a:sp3d>
-            <a:bevelT prst="angle"/>
-          </a:sp3d>
-        </p:spPr>
-        <p:style>
-          <a:lnRef idx="2">
-            <a:schemeClr val="accent1">
-              <a:shade val="50000"/>
-            </a:schemeClr>
-          </a:lnRef>
-          <a:fillRef idx="1">
-            <a:schemeClr val="accent1"/>
-          </a:fillRef>
-          <a:effectRef idx="0">
-            <a:schemeClr val="accent1"/>
-          </a:effectRef>
-          <a:fontRef idx="minor">
-            <a:schemeClr val="lt1"/>
-          </a:fontRef>
-        </p:style>
-        <p:txBody>
-          <a:bodyPr anchor="ctr"/>
-          <a:lstStyle/>
-          <a:p>
-            <a:pPr algn="ctr">
-              <a:defRPr/>
-            </a:pPr>
-            <a:r>
-              <a:rPr lang="en-US" altLang="ko-KR" sz="2300">
-                <a:solidFill>
-                  <a:srgbClr val="000000"/>
-                </a:solidFill>
-                <a:latin typeface="HY헤드라인M"/>
-                <a:ea typeface="HY헤드라인M"/>
-              </a:rPr>
-              <a:t>Cloud</a:t>
-            </a:r>
-            <a:endParaRPr lang="ko-KR" altLang="en-US" sz="2300">
+              </a:endParaRPr>
+            </a:p>
+          </p:txBody>
+        </p:sp>
+        <p:sp>
+          <p:nvSpPr>
+            <p:cNvPr id="55" name="모서리가 둥근 직사각형 54"/>
+            <p:cNvSpPr/>
+            <p:nvPr/>
+          </p:nvSpPr>
+          <p:spPr>
+            <a:xfrm>
+              <a:off x="6642989" y="4894344"/>
+              <a:ext cx="3088433" cy="690466"/>
+            </a:xfrm>
+            <a:prstGeom prst="roundRect">
+              <a:avLst>
+                <a:gd name="adj" fmla="val 0"/>
+              </a:avLst>
+            </a:prstGeom>
+            <a:gradFill flip="none" rotWithShape="1">
+              <a:gsLst>
+                <a:gs pos="0">
+                  <a:srgbClr val="9DB2DA"/>
+                </a:gs>
+                <a:gs pos="100000">
+                  <a:srgbClr val="3E61C3"/>
+                </a:gs>
+                <a:gs pos="91000">
+                  <a:srgbClr val="4D77CB"/>
+                </a:gs>
+              </a:gsLst>
+              <a:path path="circle">
+                <a:fillToRect l="100000" t="100000"/>
+              </a:path>
+              <a:tileRect r="-100000" b="-100000"/>
+            </a:gradFill>
+            <a:ln>
+              <a:noFill/>
+            </a:ln>
+            <a:scene3d>
+              <a:camera prst="orthographicFront"/>
+              <a:lightRig rig="threePt" dir="t"/>
+            </a:scene3d>
+            <a:sp3d>
+              <a:bevelT prst="angle"/>
+            </a:sp3d>
+          </p:spPr>
+          <p:style>
+            <a:lnRef idx="2">
+              <a:schemeClr val="accent1">
+                <a:shade val="50000"/>
+              </a:schemeClr>
+            </a:lnRef>
+            <a:fillRef idx="1">
+              <a:schemeClr val="accent1"/>
+            </a:fillRef>
+            <a:effectRef idx="0">
+              <a:schemeClr val="accent1"/>
+            </a:effectRef>
+            <a:fontRef idx="minor">
+              <a:schemeClr val="lt1"/>
+            </a:fontRef>
+          </p:style>
+          <p:txBody>
+            <a:bodyPr anchor="ctr"/>
+            <a:lstStyle/>
+            <a:p>
+              <a:pPr algn="ctr">
+                <a:defRPr/>
+              </a:pPr>
+              <a:r>
+                <a:rPr lang="ko-KR" altLang="en-US" sz="2300">
+                  <a:solidFill>
+                    <a:srgbClr val="000000"/>
+                  </a:solidFill>
+                  <a:latin typeface="HY헤드라인M"/>
+                  <a:ea typeface="HY헤드라인M"/>
+                </a:rPr>
+                <a:t>해킹 </a:t>
+              </a:r>
+              <a:r>
+                <a:rPr lang="en-US" altLang="ko-KR" sz="2300">
+                  <a:solidFill>
+                    <a:srgbClr val="000000"/>
+                  </a:solidFill>
+                  <a:latin typeface="HY헤드라인M"/>
+                  <a:ea typeface="HY헤드라인M"/>
+                </a:rPr>
+                <a:t>&amp; </a:t>
+              </a:r>
+              <a:r>
+                <a:rPr lang="ko-KR" altLang="en-US" sz="2300">
+                  <a:solidFill>
+                    <a:srgbClr val="000000"/>
+                  </a:solidFill>
+                  <a:latin typeface="HY헤드라인M"/>
+                  <a:ea typeface="HY헤드라인M"/>
+                </a:rPr>
+                <a:t>보안</a:t>
+              </a:r>
+            </a:p>
+          </p:txBody>
+        </p:sp>
+        <p:grpSp>
+          <p:nvGrpSpPr>
+            <p:cNvPr id="3" name="그룹 2"/>
+            <p:cNvGrpSpPr/>
+            <p:nvPr/>
+          </p:nvGrpSpPr>
+          <p:grpSpPr>
+            <a:xfrm>
+              <a:off x="4177991" y="2553865"/>
+              <a:ext cx="2629686" cy="1080001"/>
+              <a:chOff x="4177991" y="2553865"/>
+              <a:chExt cx="2629686" cy="1080001"/>
+            </a:xfrm>
+          </p:grpSpPr>
+          <p:pic>
+            <p:nvPicPr>
+              <p:cNvPr id="38" name="그림 37"/>
+              <p:cNvPicPr>
+                <a:picLocks noChangeAspect="1"/>
+              </p:cNvPicPr>
+              <p:nvPr/>
+            </p:nvPicPr>
+            <p:blipFill rotWithShape="1">
+              <a:blip r:embed="rId16"/>
+              <a:stretch>
+                <a:fillRect/>
+              </a:stretch>
+            </p:blipFill>
+            <p:spPr>
+              <a:xfrm rot="13500000">
+                <a:off x="4177991" y="2553865"/>
+                <a:ext cx="1080000" cy="1080000"/>
+              </a:xfrm>
+              <a:prstGeom prst="rect">
+                <a:avLst/>
+              </a:prstGeom>
+            </p:spPr>
+          </p:pic>
+          <p:sp>
+            <p:nvSpPr>
+              <p:cNvPr id="49" name="직사각형 48"/>
+              <p:cNvSpPr/>
+              <p:nvPr/>
+            </p:nvSpPr>
+            <p:spPr>
+              <a:xfrm>
+                <a:off x="5213448" y="3046191"/>
+                <a:ext cx="536438" cy="95348"/>
+              </a:xfrm>
+              <a:prstGeom prst="rect">
+                <a:avLst/>
+              </a:prstGeom>
               <a:solidFill>
-                <a:srgbClr val="000000"/>
+                <a:schemeClr val="tx1"/>
               </a:solidFill>
-              <a:latin typeface="HY헤드라인M"/>
-              <a:ea typeface="HY헤드라인M"/>
-            </a:endParaRPr>
-          </a:p>
-        </p:txBody>
-      </p:sp>
-      <p:sp>
-        <p:nvSpPr>
-          <p:cNvPr id="55" name="모서리가 둥근 직사각형 54"/>
-          <p:cNvSpPr/>
-          <p:nvPr/>
-        </p:nvSpPr>
-        <p:spPr>
-          <a:xfrm>
-            <a:off x="6642989" y="4894344"/>
-            <a:ext cx="3088433" cy="690466"/>
-          </a:xfrm>
-          <a:prstGeom prst="roundRect">
-            <a:avLst>
-              <a:gd name="adj" fmla="val 0"/>
-            </a:avLst>
-          </a:prstGeom>
-          <a:gradFill flip="none" rotWithShape="1">
-            <a:gsLst>
-              <a:gs pos="0">
-                <a:srgbClr val="9DB2DA"/>
-              </a:gs>
-              <a:gs pos="100000">
-                <a:srgbClr val="3E61C3"/>
-              </a:gs>
-              <a:gs pos="91000">
-                <a:srgbClr val="4D77CB"/>
-              </a:gs>
-            </a:gsLst>
-            <a:path path="circle">
-              <a:fillToRect l="100000" t="100000"/>
-            </a:path>
-            <a:tileRect r="-100000" b="-100000"/>
-          </a:gradFill>
-          <a:ln>
-            <a:noFill/>
-          </a:ln>
-          <a:scene3d>
-            <a:camera prst="orthographicFront"/>
-            <a:lightRig rig="threePt" dir="t"/>
-          </a:scene3d>
-          <a:sp3d>
-            <a:bevelT prst="angle"/>
-          </a:sp3d>
-        </p:spPr>
-        <p:style>
-          <a:lnRef idx="2">
-            <a:schemeClr val="accent1">
-              <a:shade val="50000"/>
-            </a:schemeClr>
-          </a:lnRef>
-          <a:fillRef idx="1">
-            <a:schemeClr val="accent1"/>
-          </a:fillRef>
-          <a:effectRef idx="0">
-            <a:schemeClr val="accent1"/>
-          </a:effectRef>
-          <a:fontRef idx="minor">
-            <a:schemeClr val="lt1"/>
-          </a:fontRef>
-        </p:style>
-        <p:txBody>
-          <a:bodyPr anchor="ctr"/>
-          <a:lstStyle/>
-          <a:p>
-            <a:pPr algn="ctr">
-              <a:defRPr/>
-            </a:pPr>
-            <a:r>
-              <a:rPr lang="ko-KR" altLang="en-US" sz="2300">
-                <a:solidFill>
-                  <a:srgbClr val="000000"/>
-                </a:solidFill>
-                <a:latin typeface="HY헤드라인M"/>
-                <a:ea typeface="HY헤드라인M"/>
-              </a:rPr>
-              <a:t>해킹 </a:t>
-            </a:r>
-            <a:r>
-              <a:rPr lang="en-US" altLang="ko-KR" sz="2300">
-                <a:solidFill>
-                  <a:srgbClr val="000000"/>
-                </a:solidFill>
-                <a:latin typeface="HY헤드라인M"/>
-                <a:ea typeface="HY헤드라인M"/>
-              </a:rPr>
-              <a:t>&amp; </a:t>
-            </a:r>
-            <a:r>
-              <a:rPr lang="ko-KR" altLang="en-US" sz="2300">
-                <a:solidFill>
-                  <a:srgbClr val="000000"/>
-                </a:solidFill>
-                <a:latin typeface="HY헤드라인M"/>
-                <a:ea typeface="HY헤드라인M"/>
-              </a:rPr>
-              <a:t>보안</a:t>
-            </a:r>
-          </a:p>
-        </p:txBody>
-      </p:sp>
-      <p:pic>
-        <p:nvPicPr>
-          <p:cNvPr id="43" name="그림 42"/>
-          <p:cNvPicPr>
-            <a:picLocks noChangeAspect="1"/>
-          </p:cNvPicPr>
-          <p:nvPr/>
-        </p:nvPicPr>
-        <p:blipFill rotWithShape="1">
-          <a:blip r:embed="rId16"/>
-          <a:stretch>
-            <a:fillRect/>
-          </a:stretch>
-        </p:blipFill>
-        <p:spPr>
-          <a:xfrm rot="2700000">
-            <a:off x="5727677" y="2553866"/>
-            <a:ext cx="1080000" cy="1080000"/>
-          </a:xfrm>
-          <a:prstGeom prst="rect">
-            <a:avLst/>
-          </a:prstGeom>
-        </p:spPr>
-      </p:pic>
-      <p:pic>
-        <p:nvPicPr>
-          <p:cNvPr id="44" name="그림 43"/>
-          <p:cNvPicPr>
-            <a:picLocks noChangeAspect="1"/>
-          </p:cNvPicPr>
-          <p:nvPr/>
-        </p:nvPicPr>
-        <p:blipFill rotWithShape="1">
-          <a:blip r:embed="rId16"/>
-          <a:stretch>
-            <a:fillRect/>
-          </a:stretch>
-        </p:blipFill>
-        <p:spPr>
-          <a:xfrm rot="2700000">
-            <a:off x="5729017" y="3506284"/>
-            <a:ext cx="1080000" cy="1080000"/>
-          </a:xfrm>
-          <a:prstGeom prst="rect">
-            <a:avLst/>
-          </a:prstGeom>
-        </p:spPr>
-      </p:pic>
-      <p:pic>
-        <p:nvPicPr>
-          <p:cNvPr id="45" name="그림 44"/>
-          <p:cNvPicPr>
-            <a:picLocks noChangeAspect="1"/>
-          </p:cNvPicPr>
-          <p:nvPr/>
-        </p:nvPicPr>
-        <p:blipFill rotWithShape="1">
-          <a:blip r:embed="rId16"/>
-          <a:stretch>
-            <a:fillRect/>
-          </a:stretch>
-        </p:blipFill>
-        <p:spPr>
-          <a:xfrm rot="2700000">
-            <a:off x="5740337" y="4699577"/>
-            <a:ext cx="1080000" cy="1080000"/>
-          </a:xfrm>
-          <a:prstGeom prst="rect">
-            <a:avLst/>
-          </a:prstGeom>
-        </p:spPr>
-      </p:pic>
+              <a:ln>
+                <a:noFill/>
+              </a:ln>
+            </p:spPr>
+            <p:style>
+              <a:lnRef idx="2">
+                <a:schemeClr val="accent1">
+                  <a:shade val="50000"/>
+                </a:schemeClr>
+              </a:lnRef>
+              <a:fillRef idx="1">
+                <a:schemeClr val="accent1"/>
+              </a:fillRef>
+              <a:effectRef idx="0">
+                <a:schemeClr val="accent1"/>
+              </a:effectRef>
+              <a:fontRef idx="minor">
+                <a:schemeClr val="lt1"/>
+              </a:fontRef>
+            </p:style>
+            <p:txBody>
+              <a:bodyPr rtlCol="0" anchor="ctr"/>
+              <a:lstStyle/>
+              <a:p>
+                <a:pPr algn="ctr"/>
+                <a:endParaRPr lang="ko-KR" altLang="en-US"/>
+              </a:p>
+            </p:txBody>
+          </p:sp>
+          <p:pic>
+            <p:nvPicPr>
+              <p:cNvPr id="43" name="그림 42"/>
+              <p:cNvPicPr>
+                <a:picLocks noChangeAspect="1"/>
+              </p:cNvPicPr>
+              <p:nvPr/>
+            </p:nvPicPr>
+            <p:blipFill rotWithShape="1">
+              <a:blip r:embed="rId16"/>
+              <a:stretch>
+                <a:fillRect/>
+              </a:stretch>
+            </p:blipFill>
+            <p:spPr>
+              <a:xfrm rot="2700000">
+                <a:off x="5727677" y="2553866"/>
+                <a:ext cx="1080000" cy="1080000"/>
+              </a:xfrm>
+              <a:prstGeom prst="rect">
+                <a:avLst/>
+              </a:prstGeom>
+            </p:spPr>
+          </p:pic>
+        </p:grpSp>
+        <p:grpSp>
+          <p:nvGrpSpPr>
+            <p:cNvPr id="4" name="그룹 3"/>
+            <p:cNvGrpSpPr/>
+            <p:nvPr/>
+          </p:nvGrpSpPr>
+          <p:grpSpPr>
+            <a:xfrm>
+              <a:off x="4183163" y="3506283"/>
+              <a:ext cx="2625854" cy="1080001"/>
+              <a:chOff x="4183163" y="3506283"/>
+              <a:chExt cx="2625854" cy="1080001"/>
+            </a:xfrm>
+          </p:grpSpPr>
+          <p:pic>
+            <p:nvPicPr>
+              <p:cNvPr id="39" name="그림 38"/>
+              <p:cNvPicPr>
+                <a:picLocks noChangeAspect="1"/>
+              </p:cNvPicPr>
+              <p:nvPr/>
+            </p:nvPicPr>
+            <p:blipFill rotWithShape="1">
+              <a:blip r:embed="rId16"/>
+              <a:stretch>
+                <a:fillRect/>
+              </a:stretch>
+            </p:blipFill>
+            <p:spPr>
+              <a:xfrm rot="13500000">
+                <a:off x="4183163" y="3506283"/>
+                <a:ext cx="1080000" cy="1080000"/>
+              </a:xfrm>
+              <a:prstGeom prst="rect">
+                <a:avLst/>
+              </a:prstGeom>
+            </p:spPr>
+          </p:pic>
+          <p:sp>
+            <p:nvSpPr>
+              <p:cNvPr id="50" name="직사각형 49"/>
+              <p:cNvSpPr/>
+              <p:nvPr/>
+            </p:nvSpPr>
+            <p:spPr>
+              <a:xfrm>
+                <a:off x="5220674" y="3999075"/>
+                <a:ext cx="536438" cy="95348"/>
+              </a:xfrm>
+              <a:prstGeom prst="rect">
+                <a:avLst/>
+              </a:prstGeom>
+              <a:solidFill>
+                <a:schemeClr val="tx1"/>
+              </a:solidFill>
+              <a:ln>
+                <a:noFill/>
+              </a:ln>
+            </p:spPr>
+            <p:style>
+              <a:lnRef idx="2">
+                <a:schemeClr val="accent1">
+                  <a:shade val="50000"/>
+                </a:schemeClr>
+              </a:lnRef>
+              <a:fillRef idx="1">
+                <a:schemeClr val="accent1"/>
+              </a:fillRef>
+              <a:effectRef idx="0">
+                <a:schemeClr val="accent1"/>
+              </a:effectRef>
+              <a:fontRef idx="minor">
+                <a:schemeClr val="lt1"/>
+              </a:fontRef>
+            </p:style>
+            <p:txBody>
+              <a:bodyPr rtlCol="0" anchor="ctr"/>
+              <a:lstStyle/>
+              <a:p>
+                <a:pPr algn="ctr"/>
+                <a:endParaRPr lang="ko-KR" altLang="en-US"/>
+              </a:p>
+            </p:txBody>
+          </p:sp>
+          <p:pic>
+            <p:nvPicPr>
+              <p:cNvPr id="44" name="그림 43"/>
+              <p:cNvPicPr>
+                <a:picLocks noChangeAspect="1"/>
+              </p:cNvPicPr>
+              <p:nvPr/>
+            </p:nvPicPr>
+            <p:blipFill rotWithShape="1">
+              <a:blip r:embed="rId16"/>
+              <a:stretch>
+                <a:fillRect/>
+              </a:stretch>
+            </p:blipFill>
+            <p:spPr>
+              <a:xfrm rot="2700000">
+                <a:off x="5729017" y="3506284"/>
+                <a:ext cx="1080000" cy="1080000"/>
+              </a:xfrm>
+              <a:prstGeom prst="rect">
+                <a:avLst/>
+              </a:prstGeom>
+            </p:spPr>
+          </p:pic>
+        </p:grpSp>
+        <p:grpSp>
+          <p:nvGrpSpPr>
+            <p:cNvPr id="5" name="그룹 4"/>
+            <p:cNvGrpSpPr/>
+            <p:nvPr/>
+          </p:nvGrpSpPr>
+          <p:grpSpPr>
+            <a:xfrm>
+              <a:off x="4208952" y="4699577"/>
+              <a:ext cx="2611385" cy="1080000"/>
+              <a:chOff x="4208952" y="4699577"/>
+              <a:chExt cx="2611385" cy="1080000"/>
+            </a:xfrm>
+          </p:grpSpPr>
+          <p:pic>
+            <p:nvPicPr>
+              <p:cNvPr id="40" name="그림 39"/>
+              <p:cNvPicPr>
+                <a:picLocks noChangeAspect="1"/>
+              </p:cNvPicPr>
+              <p:nvPr/>
+            </p:nvPicPr>
+            <p:blipFill rotWithShape="1">
+              <a:blip r:embed="rId16"/>
+              <a:stretch>
+                <a:fillRect/>
+              </a:stretch>
+            </p:blipFill>
+            <p:spPr>
+              <a:xfrm rot="13500000">
+                <a:off x="4208952" y="4699577"/>
+                <a:ext cx="1080000" cy="1080000"/>
+              </a:xfrm>
+              <a:prstGeom prst="rect">
+                <a:avLst/>
+              </a:prstGeom>
+            </p:spPr>
+          </p:pic>
+          <p:sp>
+            <p:nvSpPr>
+              <p:cNvPr id="51" name="직사각형 50"/>
+              <p:cNvSpPr/>
+              <p:nvPr/>
+            </p:nvSpPr>
+            <p:spPr>
+              <a:xfrm>
+                <a:off x="5246092" y="5191903"/>
+                <a:ext cx="536438" cy="95348"/>
+              </a:xfrm>
+              <a:prstGeom prst="rect">
+                <a:avLst/>
+              </a:prstGeom>
+              <a:solidFill>
+                <a:schemeClr val="tx1"/>
+              </a:solidFill>
+              <a:ln>
+                <a:noFill/>
+              </a:ln>
+            </p:spPr>
+            <p:style>
+              <a:lnRef idx="2">
+                <a:schemeClr val="accent1">
+                  <a:shade val="50000"/>
+                </a:schemeClr>
+              </a:lnRef>
+              <a:fillRef idx="1">
+                <a:schemeClr val="accent1"/>
+              </a:fillRef>
+              <a:effectRef idx="0">
+                <a:schemeClr val="accent1"/>
+              </a:effectRef>
+              <a:fontRef idx="minor">
+                <a:schemeClr val="lt1"/>
+              </a:fontRef>
+            </p:style>
+            <p:txBody>
+              <a:bodyPr rtlCol="0" anchor="ctr"/>
+              <a:lstStyle/>
+              <a:p>
+                <a:pPr algn="ctr"/>
+                <a:endParaRPr lang="ko-KR" altLang="en-US"/>
+              </a:p>
+            </p:txBody>
+          </p:sp>
+          <p:pic>
+            <p:nvPicPr>
+              <p:cNvPr id="45" name="그림 44"/>
+              <p:cNvPicPr>
+                <a:picLocks noChangeAspect="1"/>
+              </p:cNvPicPr>
+              <p:nvPr/>
+            </p:nvPicPr>
+            <p:blipFill rotWithShape="1">
+              <a:blip r:embed="rId16"/>
+              <a:stretch>
+                <a:fillRect/>
+              </a:stretch>
+            </p:blipFill>
+            <p:spPr>
+              <a:xfrm rot="2700000">
+                <a:off x="5740337" y="4699577"/>
+                <a:ext cx="1080000" cy="1080000"/>
+              </a:xfrm>
+              <a:prstGeom prst="rect">
+                <a:avLst/>
+              </a:prstGeom>
+            </p:spPr>
+          </p:pic>
+        </p:grpSp>
+      </p:grpSp>
     </p:spTree>
     <p:extLst>
       <p:ext uri="{BB962C8B-B14F-4D97-AF65-F5344CB8AC3E}">
